--- a/slides/Workshop-Cheat-Sheet.pptx
+++ b/slides/Workshop-Cheat-Sheet.pptx
@@ -3096,297 +3096,318 @@
         </p:nvSpPr>
         <p:spPr>
           <a:xfrm>
-            <a:off x="321636" y="132423"/>
+            <a:off x="59583" y="76668"/>
             <a:ext cx="5151217" cy="481606"/>
           </a:xfrm>
         </p:spPr>
         <p:txBody>
           <a:bodyPr>
-            <a:normAutofit/>
+            <a:normAutofit fontScale="90000"/>
           </a:bodyPr>
           <a:lstStyle/>
           <a:p>
             <a:r>
-              <a:rPr lang="en-US" sz="2400" dirty="0"/>
+              <a:rPr lang="en-US" sz="2400" b="1" dirty="0"/>
               <a:t>Intelligent Book Workshop Cheet Sheat</a:t>
             </a:r>
           </a:p>
         </p:txBody>
       </p:sp>
-      <p:sp>
-        <p:nvSpPr>
-          <p:cNvPr id="4" name="Rounded Rectangle 3">
+      <p:grpSp>
+        <p:nvGrpSpPr>
+          <p:cNvPr id="41" name="Group 40">
             <a:extLst>
               <a:ext uri="{FF2B5EF4-FFF2-40B4-BE49-F238E27FC236}">
-                <a16:creationId xmlns:a16="http://schemas.microsoft.com/office/drawing/2014/main" id="{2DA18E08-2433-289B-71FF-99A278606DD1}"/>
+                <a16:creationId xmlns:a16="http://schemas.microsoft.com/office/drawing/2014/main" id="{40194A0C-9DAA-2EF7-A654-57A15D0C8CEB}"/>
               </a:ext>
             </a:extLst>
           </p:cNvPr>
-          <p:cNvSpPr/>
+          <p:cNvGrpSpPr/>
           <p:nvPr/>
-        </p:nvSpPr>
-        <p:spPr>
+        </p:nvGrpSpPr>
+        <p:grpSpPr>
           <a:xfrm>
-            <a:off x="207797" y="789367"/>
-            <a:ext cx="3957803" cy="2326366"/>
+            <a:off x="207797" y="1379659"/>
+            <a:ext cx="3957803" cy="2507599"/>
+            <a:chOff x="236372" y="650997"/>
+            <a:chExt cx="3957803" cy="2507599"/>
           </a:xfrm>
-          <a:prstGeom prst="roundRect">
-            <a:avLst>
-              <a:gd name="adj" fmla="val 3879"/>
-            </a:avLst>
-          </a:prstGeom>
-          <a:solidFill>
-            <a:schemeClr val="bg1"/>
-          </a:solidFill>
-        </p:spPr>
-        <p:style>
-          <a:lnRef idx="2">
-            <a:schemeClr val="accent1">
-              <a:shade val="15000"/>
-            </a:schemeClr>
-          </a:lnRef>
-          <a:fillRef idx="1">
-            <a:schemeClr val="accent1"/>
-          </a:fillRef>
-          <a:effectRef idx="0">
-            <a:schemeClr val="accent1"/>
-          </a:effectRef>
-          <a:fontRef idx="minor">
-            <a:schemeClr val="lt1"/>
-          </a:fontRef>
-        </p:style>
-        <p:txBody>
-          <a:bodyPr rtlCol="0" anchor="ctr"/>
-          <a:lstStyle/>
-          <a:p>
-            <a:pPr algn="ctr"/>
-            <a:endParaRPr lang="en-US" dirty="0">
-              <a:solidFill>
-                <a:schemeClr val="tx1"/>
-              </a:solidFill>
-            </a:endParaRPr>
-          </a:p>
-        </p:txBody>
-      </p:sp>
-      <p:sp>
-        <p:nvSpPr>
-          <p:cNvPr id="5" name="Rounded Rectangle 4">
-            <a:extLst>
-              <a:ext uri="{FF2B5EF4-FFF2-40B4-BE49-F238E27FC236}">
-                <a16:creationId xmlns:a16="http://schemas.microsoft.com/office/drawing/2014/main" id="{EBB7EACB-68F9-FAE7-859A-AA69340C1199}"/>
-              </a:ext>
-            </a:extLst>
-          </p:cNvPr>
-          <p:cNvSpPr/>
-          <p:nvPr/>
-        </p:nvSpPr>
-        <p:spPr>
-          <a:xfrm>
-            <a:off x="365576" y="650997"/>
-            <a:ext cx="878637" cy="292780"/>
-          </a:xfrm>
-          <a:prstGeom prst="roundRect">
-            <a:avLst>
-              <a:gd name="adj" fmla="val 19724"/>
-            </a:avLst>
-          </a:prstGeom>
-          <a:solidFill>
-            <a:schemeClr val="bg1"/>
-          </a:solidFill>
-        </p:spPr>
-        <p:style>
-          <a:lnRef idx="2">
-            <a:schemeClr val="accent1">
-              <a:shade val="15000"/>
-            </a:schemeClr>
-          </a:lnRef>
-          <a:fillRef idx="1">
-            <a:schemeClr val="accent1"/>
-          </a:fillRef>
-          <a:effectRef idx="0">
-            <a:schemeClr val="accent1"/>
-          </a:effectRef>
-          <a:fontRef idx="minor">
-            <a:schemeClr val="lt1"/>
-          </a:fontRef>
-        </p:style>
-        <p:txBody>
-          <a:bodyPr rtlCol="0" anchor="ctr"/>
-          <a:lstStyle/>
-          <a:p>
-            <a:pPr algn="ctr"/>
-            <a:r>
-              <a:rPr lang="en-US" sz="1400" dirty="0">
+        </p:grpSpPr>
+        <p:sp>
+          <p:nvSpPr>
+            <p:cNvPr id="4" name="Rounded Rectangle 3">
+              <a:extLst>
+                <a:ext uri="{FF2B5EF4-FFF2-40B4-BE49-F238E27FC236}">
+                  <a16:creationId xmlns:a16="http://schemas.microsoft.com/office/drawing/2014/main" id="{2DA18E08-2433-289B-71FF-99A278606DD1}"/>
+                </a:ext>
+              </a:extLst>
+            </p:cNvPr>
+            <p:cNvSpPr/>
+            <p:nvPr/>
+          </p:nvSpPr>
+          <p:spPr>
+            <a:xfrm>
+              <a:off x="236372" y="832230"/>
+              <a:ext cx="3957803" cy="2326366"/>
+            </a:xfrm>
+            <a:prstGeom prst="roundRect">
+              <a:avLst>
+                <a:gd name="adj" fmla="val 3879"/>
+              </a:avLst>
+            </a:prstGeom>
+            <a:solidFill>
+              <a:schemeClr val="bg1"/>
+            </a:solidFill>
+          </p:spPr>
+          <p:style>
+            <a:lnRef idx="2">
+              <a:schemeClr val="accent1">
+                <a:shade val="15000"/>
+              </a:schemeClr>
+            </a:lnRef>
+            <a:fillRef idx="1">
+              <a:schemeClr val="accent1"/>
+            </a:fillRef>
+            <a:effectRef idx="0">
+              <a:schemeClr val="accent1"/>
+            </a:effectRef>
+            <a:fontRef idx="minor">
+              <a:schemeClr val="lt1"/>
+            </a:fontRef>
+          </p:style>
+          <p:txBody>
+            <a:bodyPr rtlCol="0" anchor="ctr"/>
+            <a:lstStyle/>
+            <a:p>
+              <a:pPr algn="ctr"/>
+              <a:endParaRPr lang="en-US" dirty="0">
                 <a:solidFill>
                   <a:schemeClr val="tx1"/>
                 </a:solidFill>
-              </a:rPr>
-              <a:t>Setup</a:t>
-            </a:r>
-          </a:p>
-        </p:txBody>
-      </p:sp>
-      <p:sp>
-        <p:nvSpPr>
-          <p:cNvPr id="7" name="TextBox 6">
-            <a:extLst>
-              <a:ext uri="{FF2B5EF4-FFF2-40B4-BE49-F238E27FC236}">
-                <a16:creationId xmlns:a16="http://schemas.microsoft.com/office/drawing/2014/main" id="{61A21C3A-D613-84B7-8366-D78400D53B86}"/>
-              </a:ext>
-            </a:extLst>
-          </p:cNvPr>
-          <p:cNvSpPr txBox="1"/>
-          <p:nvPr/>
-        </p:nvSpPr>
-        <p:spPr>
-          <a:xfrm>
-            <a:off x="274394" y="939560"/>
-            <a:ext cx="3809926" cy="2123658"/>
-          </a:xfrm>
-          <a:prstGeom prst="rect">
-            <a:avLst/>
-          </a:prstGeom>
-          <a:noFill/>
-        </p:spPr>
-        <p:txBody>
-          <a:bodyPr wrap="square">
-            <a:spAutoFit/>
-          </a:bodyPr>
-          <a:lstStyle/>
-          <a:p>
-            <a:r>
-              <a:rPr lang="en-US" sz="1200" dirty="0">
-                <a:solidFill>
-                  <a:schemeClr val="bg1">
-                    <a:lumMod val="50000"/>
-                  </a:schemeClr>
-                </a:solidFill>
-              </a:rPr>
-              <a:t>$ mkdir ~/projects</a:t>
-            </a:r>
-          </a:p>
-          <a:p>
-            <a:r>
-              <a:rPr lang="en-US" sz="1200" dirty="0">
-                <a:solidFill>
-                  <a:schemeClr val="bg1">
-                    <a:lumMod val="50000"/>
-                  </a:schemeClr>
-                </a:solidFill>
-              </a:rPr>
-              <a:t>$ cd projects</a:t>
-            </a:r>
-          </a:p>
-          <a:p>
-            <a:r>
-              <a:rPr lang="en-US" sz="1200" dirty="0">
-                <a:solidFill>
-                  <a:schemeClr val="bg1">
-                    <a:lumMod val="50000"/>
-                  </a:schemeClr>
-                </a:solidFill>
-              </a:rPr>
-              <a:t>$ git clone https://github.com/dmccreary/claude-skills</a:t>
-            </a:r>
-          </a:p>
-          <a:p>
-            <a:r>
-              <a:rPr lang="en-US" sz="1200" dirty="0">
-                <a:solidFill>
-                  <a:schemeClr val="bg1">
-                    <a:lumMod val="50000"/>
-                  </a:schemeClr>
-                </a:solidFill>
-              </a:rPr>
-              <a:t>$ export BK_HOME=$HOME/projects/claude-skills</a:t>
-            </a:r>
-          </a:p>
-          <a:p>
-            <a:r>
-              <a:rPr lang="en-US" sz="1200" dirty="0">
-                <a:solidFill>
-                  <a:schemeClr val="bg1">
-                    <a:lumMod val="50000"/>
-                  </a:schemeClr>
-                </a:solidFill>
-              </a:rPr>
-              <a:t>$ cd claude-skills/scripts</a:t>
-            </a:r>
-          </a:p>
-          <a:p>
-            <a:r>
-              <a:rPr lang="en-US" sz="1200" dirty="0">
-                <a:solidFill>
-                  <a:schemeClr val="bg1">
-                    <a:lumMod val="50000"/>
-                  </a:schemeClr>
-                </a:solidFill>
-              </a:rPr>
-              <a:t>$ ./bk-install-scripts</a:t>
-            </a:r>
-          </a:p>
-          <a:p>
-            <a:r>
-              <a:rPr lang="en-US" sz="1200" dirty="0">
-                <a:solidFill>
-                  <a:schemeClr val="bg1">
-                    <a:lumMod val="50000"/>
-                  </a:schemeClr>
-                </a:solidFill>
-              </a:rPr>
-              <a:t>$ ./bk-install-skills</a:t>
-            </a:r>
-          </a:p>
-          <a:p>
-            <a:r>
-              <a:rPr lang="en-US" sz="1200" dirty="0">
-                <a:solidFill>
-                  <a:schemeClr val="bg1">
-                    <a:lumMod val="50000"/>
-                  </a:schemeClr>
-                </a:solidFill>
-              </a:rPr>
-              <a:t>$ cd ~/projects</a:t>
-            </a:r>
-          </a:p>
-          <a:p>
-            <a:r>
-              <a:rPr lang="en-US" sz="1200" dirty="0">
-                <a:solidFill>
-                  <a:schemeClr val="bg1">
-                    <a:lumMod val="50000"/>
-                  </a:schemeClr>
-                </a:solidFill>
-              </a:rPr>
-              <a:t>$ git clone https://github.com/GITHUB_ID/BOOK_REPO</a:t>
-            </a:r>
-          </a:p>
-          <a:p>
-            <a:r>
-              <a:rPr lang="en-US" sz="1200" dirty="0">
-                <a:solidFill>
-                  <a:schemeClr val="bg1">
-                    <a:lumMod val="50000"/>
-                  </a:schemeClr>
-                </a:solidFill>
-              </a:rPr>
-              <a:t>$ cd BOOK_REPO</a:t>
-            </a:r>
-          </a:p>
-          <a:p>
-            <a:r>
-              <a:rPr lang="en-US" sz="1200" dirty="0">
-                <a:solidFill>
-                  <a:schemeClr val="bg1">
-                    <a:lumMod val="50000"/>
-                  </a:schemeClr>
-                </a:solidFill>
-              </a:rPr>
-              <a:t>$ claude</a:t>
-            </a:r>
-          </a:p>
-        </p:txBody>
-      </p:sp>
+              </a:endParaRPr>
+            </a:p>
+          </p:txBody>
+        </p:sp>
+        <p:sp>
+          <p:nvSpPr>
+            <p:cNvPr id="5" name="Rounded Rectangle 4">
+              <a:extLst>
+                <a:ext uri="{FF2B5EF4-FFF2-40B4-BE49-F238E27FC236}">
+                  <a16:creationId xmlns:a16="http://schemas.microsoft.com/office/drawing/2014/main" id="{EBB7EACB-68F9-FAE7-859A-AA69340C1199}"/>
+                </a:ext>
+              </a:extLst>
+            </p:cNvPr>
+            <p:cNvSpPr/>
+            <p:nvPr/>
+          </p:nvSpPr>
+          <p:spPr>
+            <a:xfrm>
+              <a:off x="365576" y="650997"/>
+              <a:ext cx="878637" cy="292780"/>
+            </a:xfrm>
+            <a:prstGeom prst="roundRect">
+              <a:avLst>
+                <a:gd name="adj" fmla="val 19724"/>
+              </a:avLst>
+            </a:prstGeom>
+            <a:solidFill>
+              <a:schemeClr val="bg1"/>
+            </a:solidFill>
+          </p:spPr>
+          <p:style>
+            <a:lnRef idx="2">
+              <a:schemeClr val="accent1">
+                <a:shade val="15000"/>
+              </a:schemeClr>
+            </a:lnRef>
+            <a:fillRef idx="1">
+              <a:schemeClr val="accent1"/>
+            </a:fillRef>
+            <a:effectRef idx="0">
+              <a:schemeClr val="accent1"/>
+            </a:effectRef>
+            <a:fontRef idx="minor">
+              <a:schemeClr val="lt1"/>
+            </a:fontRef>
+          </p:style>
+          <p:txBody>
+            <a:bodyPr rtlCol="0" anchor="ctr"/>
+            <a:lstStyle/>
+            <a:p>
+              <a:pPr algn="ctr"/>
+              <a:r>
+                <a:rPr lang="en-US" sz="1400" dirty="0">
+                  <a:solidFill>
+                    <a:schemeClr val="tx1"/>
+                  </a:solidFill>
+                </a:rPr>
+                <a:t>Setup</a:t>
+              </a:r>
+            </a:p>
+          </p:txBody>
+        </p:sp>
+        <p:sp>
+          <p:nvSpPr>
+            <p:cNvPr id="7" name="TextBox 6">
+              <a:extLst>
+                <a:ext uri="{FF2B5EF4-FFF2-40B4-BE49-F238E27FC236}">
+                  <a16:creationId xmlns:a16="http://schemas.microsoft.com/office/drawing/2014/main" id="{61A21C3A-D613-84B7-8366-D78400D53B86}"/>
+                </a:ext>
+              </a:extLst>
+            </p:cNvPr>
+            <p:cNvSpPr txBox="1"/>
+            <p:nvPr/>
+          </p:nvSpPr>
+          <p:spPr>
+            <a:xfrm>
+              <a:off x="274394" y="939560"/>
+              <a:ext cx="3809926" cy="2123658"/>
+            </a:xfrm>
+            <a:prstGeom prst="rect">
+              <a:avLst/>
+            </a:prstGeom>
+            <a:noFill/>
+          </p:spPr>
+          <p:txBody>
+            <a:bodyPr wrap="square">
+              <a:spAutoFit/>
+            </a:bodyPr>
+            <a:lstStyle/>
+            <a:p>
+              <a:r>
+                <a:rPr lang="en-US" sz="1200" dirty="0">
+                  <a:solidFill>
+                    <a:schemeClr val="bg1">
+                      <a:lumMod val="50000"/>
+                    </a:schemeClr>
+                  </a:solidFill>
+                </a:rPr>
+                <a:t>$ mkdir ~/projects</a:t>
+              </a:r>
+            </a:p>
+            <a:p>
+              <a:r>
+                <a:rPr lang="en-US" sz="1200" dirty="0">
+                  <a:solidFill>
+                    <a:schemeClr val="bg1">
+                      <a:lumMod val="50000"/>
+                    </a:schemeClr>
+                  </a:solidFill>
+                </a:rPr>
+                <a:t>$ cd projects</a:t>
+              </a:r>
+            </a:p>
+            <a:p>
+              <a:r>
+                <a:rPr lang="en-US" sz="1200" dirty="0">
+                  <a:solidFill>
+                    <a:schemeClr val="bg1">
+                      <a:lumMod val="50000"/>
+                    </a:schemeClr>
+                  </a:solidFill>
+                </a:rPr>
+                <a:t>$ git clone https://github.com/dmccreary/claude-skills</a:t>
+              </a:r>
+            </a:p>
+            <a:p>
+              <a:r>
+                <a:rPr lang="en-US" sz="1200" dirty="0">
+                  <a:solidFill>
+                    <a:schemeClr val="bg1">
+                      <a:lumMod val="50000"/>
+                    </a:schemeClr>
+                  </a:solidFill>
+                </a:rPr>
+                <a:t>$ export BK_HOME=$HOME/projects/claude-skills</a:t>
+              </a:r>
+            </a:p>
+            <a:p>
+              <a:r>
+                <a:rPr lang="en-US" sz="1200" dirty="0">
+                  <a:solidFill>
+                    <a:schemeClr val="bg1">
+                      <a:lumMod val="50000"/>
+                    </a:schemeClr>
+                  </a:solidFill>
+                </a:rPr>
+                <a:t>$ cd claude-skills/scripts</a:t>
+              </a:r>
+            </a:p>
+            <a:p>
+              <a:r>
+                <a:rPr lang="en-US" sz="1200" dirty="0">
+                  <a:solidFill>
+                    <a:schemeClr val="bg1">
+                      <a:lumMod val="50000"/>
+                    </a:schemeClr>
+                  </a:solidFill>
+                </a:rPr>
+                <a:t>$ ./bk-install-scripts</a:t>
+              </a:r>
+            </a:p>
+            <a:p>
+              <a:r>
+                <a:rPr lang="en-US" sz="1200" dirty="0">
+                  <a:solidFill>
+                    <a:schemeClr val="bg1">
+                      <a:lumMod val="50000"/>
+                    </a:schemeClr>
+                  </a:solidFill>
+                </a:rPr>
+                <a:t>$ ./bk-install-skills</a:t>
+              </a:r>
+            </a:p>
+            <a:p>
+              <a:r>
+                <a:rPr lang="en-US" sz="1200" dirty="0">
+                  <a:solidFill>
+                    <a:schemeClr val="bg1">
+                      <a:lumMod val="50000"/>
+                    </a:schemeClr>
+                  </a:solidFill>
+                </a:rPr>
+                <a:t>$ cd ~/projects</a:t>
+              </a:r>
+            </a:p>
+            <a:p>
+              <a:r>
+                <a:rPr lang="en-US" sz="1200" dirty="0">
+                  <a:solidFill>
+                    <a:schemeClr val="bg1">
+                      <a:lumMod val="50000"/>
+                    </a:schemeClr>
+                  </a:solidFill>
+                </a:rPr>
+                <a:t>$ git clone https://github.com/GITHUB_ID/BOOK_REPO</a:t>
+              </a:r>
+            </a:p>
+            <a:p>
+              <a:r>
+                <a:rPr lang="en-US" sz="1200" dirty="0">
+                  <a:solidFill>
+                    <a:schemeClr val="bg1">
+                      <a:lumMod val="50000"/>
+                    </a:schemeClr>
+                  </a:solidFill>
+                </a:rPr>
+                <a:t>$ cd BOOK_REPO</a:t>
+              </a:r>
+            </a:p>
+            <a:p>
+              <a:r>
+                <a:rPr lang="en-US" sz="1200" dirty="0">
+                  <a:solidFill>
+                    <a:schemeClr val="bg1">
+                      <a:lumMod val="50000"/>
+                    </a:schemeClr>
+                  </a:solidFill>
+                </a:rPr>
+                <a:t>$ claude</a:t>
+              </a:r>
+            </a:p>
+          </p:txBody>
+        </p:sp>
+      </p:grpSp>
       <p:sp>
         <p:nvSpPr>
           <p:cNvPr id="8" name="Rounded Rectangle 7">
@@ -3741,303 +3762,343 @@
           </a:p>
         </p:txBody>
       </p:sp>
-      <p:sp>
-        <p:nvSpPr>
-          <p:cNvPr id="14" name="Rounded Rectangle 13">
+      <p:grpSp>
+        <p:nvGrpSpPr>
+          <p:cNvPr id="38" name="Group 37">
             <a:extLst>
               <a:ext uri="{FF2B5EF4-FFF2-40B4-BE49-F238E27FC236}">
-                <a16:creationId xmlns:a16="http://schemas.microsoft.com/office/drawing/2014/main" id="{6CA8A8EB-DB3A-DCED-5F89-CB90A8B6E03D}"/>
+                <a16:creationId xmlns:a16="http://schemas.microsoft.com/office/drawing/2014/main" id="{C07B744C-2E37-FFF3-AA73-3B71536CAA49}"/>
               </a:ext>
             </a:extLst>
           </p:cNvPr>
-          <p:cNvSpPr/>
+          <p:cNvGrpSpPr/>
           <p:nvPr/>
-        </p:nvSpPr>
-        <p:spPr>
+        </p:nvGrpSpPr>
+        <p:grpSpPr>
           <a:xfrm>
-            <a:off x="217958" y="3535953"/>
-            <a:ext cx="3270310" cy="2187514"/>
+            <a:off x="146520" y="4069095"/>
+            <a:ext cx="3270310" cy="2671324"/>
+            <a:chOff x="217958" y="3397583"/>
+            <a:chExt cx="3270310" cy="2671324"/>
           </a:xfrm>
-          <a:prstGeom prst="roundRect">
-            <a:avLst>
-              <a:gd name="adj" fmla="val 3879"/>
-            </a:avLst>
-          </a:prstGeom>
-          <a:solidFill>
-            <a:schemeClr val="bg1"/>
-          </a:solidFill>
-        </p:spPr>
-        <p:style>
-          <a:lnRef idx="2">
-            <a:schemeClr val="accent1">
-              <a:shade val="15000"/>
-            </a:schemeClr>
-          </a:lnRef>
-          <a:fillRef idx="1">
-            <a:schemeClr val="accent1"/>
-          </a:fillRef>
-          <a:effectRef idx="0">
-            <a:schemeClr val="accent1"/>
-          </a:effectRef>
-          <a:fontRef idx="minor">
-            <a:schemeClr val="lt1"/>
-          </a:fontRef>
-        </p:style>
-        <p:txBody>
-          <a:bodyPr rtlCol="0" anchor="ctr"/>
-          <a:lstStyle/>
-          <a:p>
-            <a:pPr algn="ctr"/>
-            <a:endParaRPr lang="en-US" dirty="0">
-              <a:solidFill>
-                <a:schemeClr val="tx1"/>
-              </a:solidFill>
-            </a:endParaRPr>
-          </a:p>
-        </p:txBody>
-      </p:sp>
-      <p:sp>
-        <p:nvSpPr>
-          <p:cNvPr id="15" name="Rounded Rectangle 14">
-            <a:extLst>
-              <a:ext uri="{FF2B5EF4-FFF2-40B4-BE49-F238E27FC236}">
-                <a16:creationId xmlns:a16="http://schemas.microsoft.com/office/drawing/2014/main" id="{4052EA3D-FBC9-CDA4-17B3-44F45D333168}"/>
-              </a:ext>
-            </a:extLst>
-          </p:cNvPr>
-          <p:cNvSpPr/>
-          <p:nvPr/>
-        </p:nvSpPr>
-        <p:spPr>
-          <a:xfrm>
-            <a:off x="375735" y="3397583"/>
-            <a:ext cx="2719677" cy="292780"/>
-          </a:xfrm>
-          <a:prstGeom prst="roundRect">
-            <a:avLst>
-              <a:gd name="adj" fmla="val 19724"/>
-            </a:avLst>
-          </a:prstGeom>
-          <a:solidFill>
-            <a:schemeClr val="bg1"/>
-          </a:solidFill>
-        </p:spPr>
-        <p:style>
-          <a:lnRef idx="2">
-            <a:schemeClr val="accent1">
-              <a:shade val="15000"/>
-            </a:schemeClr>
-          </a:lnRef>
-          <a:fillRef idx="1">
-            <a:schemeClr val="accent1"/>
-          </a:fillRef>
-          <a:effectRef idx="0">
-            <a:schemeClr val="accent1"/>
-          </a:effectRef>
-          <a:fontRef idx="minor">
-            <a:schemeClr val="lt1"/>
-          </a:fontRef>
-        </p:style>
-        <p:txBody>
-          <a:bodyPr rtlCol="0" anchor="ctr"/>
-          <a:lstStyle/>
-          <a:p>
-            <a:pPr algn="ctr"/>
-            <a:r>
-              <a:rPr lang="en-US" sz="1400" dirty="0">
+        </p:grpSpPr>
+        <p:sp>
+          <p:nvSpPr>
+            <p:cNvPr id="14" name="Rounded Rectangle 13">
+              <a:extLst>
+                <a:ext uri="{FF2B5EF4-FFF2-40B4-BE49-F238E27FC236}">
+                  <a16:creationId xmlns:a16="http://schemas.microsoft.com/office/drawing/2014/main" id="{6CA8A8EB-DB3A-DCED-5F89-CB90A8B6E03D}"/>
+                </a:ext>
+              </a:extLst>
+            </p:cNvPr>
+            <p:cNvSpPr/>
+            <p:nvPr/>
+          </p:nvSpPr>
+          <p:spPr>
+            <a:xfrm>
+              <a:off x="217958" y="3535953"/>
+              <a:ext cx="3270310" cy="2532954"/>
+            </a:xfrm>
+            <a:prstGeom prst="roundRect">
+              <a:avLst>
+                <a:gd name="adj" fmla="val 3879"/>
+              </a:avLst>
+            </a:prstGeom>
+            <a:solidFill>
+              <a:schemeClr val="bg1"/>
+            </a:solidFill>
+          </p:spPr>
+          <p:style>
+            <a:lnRef idx="2">
+              <a:schemeClr val="accent1">
+                <a:shade val="15000"/>
+              </a:schemeClr>
+            </a:lnRef>
+            <a:fillRef idx="1">
+              <a:schemeClr val="accent1"/>
+            </a:fillRef>
+            <a:effectRef idx="0">
+              <a:schemeClr val="accent1"/>
+            </a:effectRef>
+            <a:fontRef idx="minor">
+              <a:schemeClr val="lt1"/>
+            </a:fontRef>
+          </p:style>
+          <p:txBody>
+            <a:bodyPr rtlCol="0" anchor="ctr"/>
+            <a:lstStyle/>
+            <a:p>
+              <a:pPr algn="ctr"/>
+              <a:endParaRPr lang="en-US" dirty="0">
                 <a:solidFill>
                   <a:schemeClr val="tx1"/>
                 </a:solidFill>
-              </a:rPr>
-              <a:t>Sample Book Generation Skills</a:t>
-            </a:r>
-          </a:p>
-        </p:txBody>
-      </p:sp>
-      <p:sp>
-        <p:nvSpPr>
-          <p:cNvPr id="16" name="TextBox 15">
-            <a:extLst>
-              <a:ext uri="{FF2B5EF4-FFF2-40B4-BE49-F238E27FC236}">
-                <a16:creationId xmlns:a16="http://schemas.microsoft.com/office/drawing/2014/main" id="{1DAAE01C-B1FA-FA26-734E-42EFC967A0EE}"/>
-              </a:ext>
-            </a:extLst>
-          </p:cNvPr>
-          <p:cNvSpPr txBox="1"/>
-          <p:nvPr/>
-        </p:nvSpPr>
-        <p:spPr>
-          <a:xfrm>
-            <a:off x="338740" y="3720013"/>
-            <a:ext cx="3047927" cy="1938992"/>
-          </a:xfrm>
-          <a:prstGeom prst="rect">
-            <a:avLst/>
-          </a:prstGeom>
-          <a:noFill/>
-        </p:spPr>
-        <p:txBody>
-          <a:bodyPr wrap="square">
-            <a:spAutoFit/>
-          </a:bodyPr>
-          <a:lstStyle/>
-          <a:p>
-            <a:r>
-              <a:rPr lang="en-US" sz="1200" dirty="0">
-                <a:solidFill>
-                  <a:schemeClr val="bg1">
-                    <a:lumMod val="50000"/>
-                  </a:schemeClr>
-                </a:solidFill>
-              </a:rPr>
-              <a:t>&gt; /skill course-description-analyzer</a:t>
-            </a:r>
-          </a:p>
-          <a:p>
-            <a:r>
-              <a:rPr lang="en-US" sz="1200" dirty="0">
-                <a:solidFill>
-                  <a:schemeClr val="bg1">
-                    <a:lumMod val="50000"/>
-                  </a:schemeClr>
-                </a:solidFill>
-              </a:rPr>
-              <a:t>&gt; /skill learning-graph-generator</a:t>
-            </a:r>
-          </a:p>
-          <a:p>
-            <a:r>
-              <a:rPr lang="en-US" sz="1200" dirty="0">
-                <a:solidFill>
-                  <a:schemeClr val="bg1">
-                    <a:lumMod val="50000"/>
-                  </a:schemeClr>
-                </a:solidFill>
-              </a:rPr>
-              <a:t>&gt; /skill install-learning-graph-viewer</a:t>
-            </a:r>
-          </a:p>
-          <a:p>
-            <a:r>
-              <a:rPr lang="en-US" sz="1200" dirty="0">
-                <a:solidFill>
-                  <a:schemeClr val="bg1">
-                    <a:lumMod val="50000"/>
-                  </a:schemeClr>
-                </a:solidFill>
-              </a:rPr>
-              <a:t>&gt; /skill book-chapter-generator</a:t>
-            </a:r>
-          </a:p>
-          <a:p>
-            <a:r>
-              <a:rPr lang="en-US" sz="1200" dirty="0">
-                <a:solidFill>
-                  <a:schemeClr val="bg1">
-                    <a:lumMod val="50000"/>
-                  </a:schemeClr>
-                </a:solidFill>
-              </a:rPr>
-              <a:t>&gt; /skill chapter-content-generator chapter 1</a:t>
-            </a:r>
-            <a:br>
-              <a:rPr lang="en-US" sz="1200" dirty="0">
-                <a:solidFill>
-                  <a:schemeClr val="bg1">
-                    <a:lumMod val="50000"/>
-                  </a:schemeClr>
-                </a:solidFill>
-              </a:rPr>
-            </a:br>
-            <a:r>
-              <a:rPr lang="en-US" sz="1200" dirty="0">
-                <a:solidFill>
-                  <a:schemeClr val="bg1">
-                    <a:lumMod val="50000"/>
-                  </a:schemeClr>
-                </a:solidFill>
-              </a:rPr>
-              <a:t>&gt; /skill glossary-generator</a:t>
-            </a:r>
-            <a:br>
-              <a:rPr lang="en-US" sz="1200" dirty="0">
-                <a:solidFill>
-                  <a:schemeClr val="bg1">
-                    <a:lumMod val="50000"/>
-                  </a:schemeClr>
-                </a:solidFill>
-              </a:rPr>
-            </a:br>
-            <a:r>
-              <a:rPr lang="en-US" sz="1200" dirty="0">
-                <a:solidFill>
-                  <a:schemeClr val="bg1">
-                    <a:lumMod val="50000"/>
-                  </a:schemeClr>
-                </a:solidFill>
-              </a:rPr>
-              <a:t>&gt; /skill faq-generator</a:t>
-            </a:r>
-            <a:br>
-              <a:rPr lang="en-US" sz="1200" dirty="0">
-                <a:solidFill>
-                  <a:schemeClr val="bg1">
-                    <a:lumMod val="50000"/>
-                  </a:schemeClr>
-                </a:solidFill>
-              </a:rPr>
-            </a:br>
-            <a:r>
-              <a:rPr lang="en-US" sz="1200" dirty="0">
-                <a:solidFill>
-                  <a:schemeClr val="bg1">
-                    <a:lumMod val="50000"/>
-                  </a:schemeClr>
-                </a:solidFill>
-              </a:rPr>
-              <a:t>&gt;/skill quiz-generator</a:t>
-            </a:r>
-            <a:br>
-              <a:rPr lang="en-US" sz="1200" dirty="0">
-                <a:solidFill>
-                  <a:schemeClr val="bg1">
-                    <a:lumMod val="50000"/>
-                  </a:schemeClr>
-                </a:solidFill>
-              </a:rPr>
-            </a:br>
-            <a:r>
-              <a:rPr lang="en-US" sz="1200" dirty="0">
-                <a:solidFill>
-                  <a:schemeClr val="bg1">
-                    <a:lumMod val="50000"/>
-                  </a:schemeClr>
-                </a:solidFill>
-              </a:rPr>
-              <a:t>&gt; /skill reference-generator</a:t>
-            </a:r>
-            <a:br>
-              <a:rPr lang="en-US" sz="1200" dirty="0">
-                <a:solidFill>
-                  <a:schemeClr val="bg1">
-                    <a:lumMod val="50000"/>
-                  </a:schemeClr>
-                </a:solidFill>
-              </a:rPr>
-            </a:br>
-            <a:r>
-              <a:rPr lang="en-US" sz="1200" dirty="0">
-                <a:solidFill>
-                  <a:schemeClr val="bg1">
-                    <a:lumMod val="50000"/>
-                  </a:schemeClr>
-                </a:solidFill>
-              </a:rPr>
-              <a:t>&gt;/skill linkedin-announcement-generator</a:t>
-            </a:r>
-          </a:p>
-        </p:txBody>
-      </p:sp>
+              </a:endParaRPr>
+            </a:p>
+          </p:txBody>
+        </p:sp>
+        <p:sp>
+          <p:nvSpPr>
+            <p:cNvPr id="15" name="Rounded Rectangle 14">
+              <a:extLst>
+                <a:ext uri="{FF2B5EF4-FFF2-40B4-BE49-F238E27FC236}">
+                  <a16:creationId xmlns:a16="http://schemas.microsoft.com/office/drawing/2014/main" id="{4052EA3D-FBC9-CDA4-17B3-44F45D333168}"/>
+                </a:ext>
+              </a:extLst>
+            </p:cNvPr>
+            <p:cNvSpPr/>
+            <p:nvPr/>
+          </p:nvSpPr>
+          <p:spPr>
+            <a:xfrm>
+              <a:off x="375735" y="3397583"/>
+              <a:ext cx="2719677" cy="292780"/>
+            </a:xfrm>
+            <a:prstGeom prst="roundRect">
+              <a:avLst>
+                <a:gd name="adj" fmla="val 19724"/>
+              </a:avLst>
+            </a:prstGeom>
+            <a:solidFill>
+              <a:schemeClr val="bg1"/>
+            </a:solidFill>
+          </p:spPr>
+          <p:style>
+            <a:lnRef idx="2">
+              <a:schemeClr val="accent1">
+                <a:shade val="15000"/>
+              </a:schemeClr>
+            </a:lnRef>
+            <a:fillRef idx="1">
+              <a:schemeClr val="accent1"/>
+            </a:fillRef>
+            <a:effectRef idx="0">
+              <a:schemeClr val="accent1"/>
+            </a:effectRef>
+            <a:fontRef idx="minor">
+              <a:schemeClr val="lt1"/>
+            </a:fontRef>
+          </p:style>
+          <p:txBody>
+            <a:bodyPr rtlCol="0" anchor="ctr"/>
+            <a:lstStyle/>
+            <a:p>
+              <a:pPr algn="ctr"/>
+              <a:r>
+                <a:rPr lang="en-US" sz="1400" dirty="0">
+                  <a:solidFill>
+                    <a:schemeClr val="tx1"/>
+                  </a:solidFill>
+                </a:rPr>
+                <a:t>Sample Book Generation Skills</a:t>
+              </a:r>
+            </a:p>
+          </p:txBody>
+        </p:sp>
+        <p:sp>
+          <p:nvSpPr>
+            <p:cNvPr id="16" name="TextBox 15">
+              <a:extLst>
+                <a:ext uri="{FF2B5EF4-FFF2-40B4-BE49-F238E27FC236}">
+                  <a16:creationId xmlns:a16="http://schemas.microsoft.com/office/drawing/2014/main" id="{1DAAE01C-B1FA-FA26-734E-42EFC967A0EE}"/>
+                </a:ext>
+              </a:extLst>
+            </p:cNvPr>
+            <p:cNvSpPr txBox="1"/>
+            <p:nvPr/>
+          </p:nvSpPr>
+          <p:spPr>
+            <a:xfrm>
+              <a:off x="338740" y="3720013"/>
+              <a:ext cx="3047927" cy="2123658"/>
+            </a:xfrm>
+            <a:prstGeom prst="rect">
+              <a:avLst/>
+            </a:prstGeom>
+            <a:noFill/>
+          </p:spPr>
+          <p:txBody>
+            <a:bodyPr wrap="square">
+              <a:spAutoFit/>
+            </a:bodyPr>
+            <a:lstStyle/>
+            <a:p>
+              <a:r>
+                <a:rPr lang="en-US" sz="1200" dirty="0">
+                  <a:solidFill>
+                    <a:schemeClr val="bg1">
+                      <a:lumMod val="50000"/>
+                    </a:schemeClr>
+                  </a:solidFill>
+                </a:rPr>
+                <a:t>&gt; /skill install-mkdocs-template</a:t>
+              </a:r>
+              <a:br>
+                <a:rPr lang="en-US" sz="1200" dirty="0">
+                  <a:solidFill>
+                    <a:schemeClr val="bg1">
+                      <a:lumMod val="50000"/>
+                    </a:schemeClr>
+                  </a:solidFill>
+                </a:rPr>
+              </a:br>
+              <a:r>
+                <a:rPr lang="en-US" sz="1200" dirty="0">
+                  <a:solidFill>
+                    <a:schemeClr val="bg1">
+                      <a:lumMod val="50000"/>
+                    </a:schemeClr>
+                  </a:solidFill>
+                </a:rPr>
+                <a:t>&gt; /skill course-description-analyzer</a:t>
+              </a:r>
+            </a:p>
+            <a:p>
+              <a:r>
+                <a:rPr lang="en-US" sz="1200" dirty="0">
+                  <a:solidFill>
+                    <a:schemeClr val="bg1">
+                      <a:lumMod val="50000"/>
+                    </a:schemeClr>
+                  </a:solidFill>
+                </a:rPr>
+                <a:t>&gt; /skill learning-graph-generator</a:t>
+              </a:r>
+            </a:p>
+            <a:p>
+              <a:r>
+                <a:rPr lang="en-US" sz="1200" dirty="0">
+                  <a:solidFill>
+                    <a:schemeClr val="bg1">
+                      <a:lumMod val="50000"/>
+                    </a:schemeClr>
+                  </a:solidFill>
+                </a:rPr>
+                <a:t>&gt; /skill install-learning-graph-viewer</a:t>
+              </a:r>
+            </a:p>
+            <a:p>
+              <a:r>
+                <a:rPr lang="en-US" sz="1200" dirty="0">
+                  <a:solidFill>
+                    <a:schemeClr val="bg1">
+                      <a:lumMod val="50000"/>
+                    </a:schemeClr>
+                  </a:solidFill>
+                </a:rPr>
+                <a:t>&gt; /skill book-chapter-generator</a:t>
+              </a:r>
+            </a:p>
+            <a:p>
+              <a:r>
+                <a:rPr lang="en-US" sz="1200" dirty="0">
+                  <a:solidFill>
+                    <a:schemeClr val="bg1">
+                      <a:lumMod val="50000"/>
+                    </a:schemeClr>
+                  </a:solidFill>
+                </a:rPr>
+                <a:t>&gt; /skill chapter-content-generator chapter 1</a:t>
+              </a:r>
+              <a:br>
+                <a:rPr lang="en-US" sz="1200" dirty="0">
+                  <a:solidFill>
+                    <a:schemeClr val="bg1">
+                      <a:lumMod val="50000"/>
+                    </a:schemeClr>
+                  </a:solidFill>
+                </a:rPr>
+              </a:br>
+              <a:r>
+                <a:rPr lang="en-US" sz="1200" dirty="0">
+                  <a:solidFill>
+                    <a:schemeClr val="bg1">
+                      <a:lumMod val="50000"/>
+                    </a:schemeClr>
+                  </a:solidFill>
+                </a:rPr>
+                <a:t>&gt; /skill glossary-generator</a:t>
+              </a:r>
+              <a:br>
+                <a:rPr lang="en-US" sz="1200" dirty="0">
+                  <a:solidFill>
+                    <a:schemeClr val="bg1">
+                      <a:lumMod val="50000"/>
+                    </a:schemeClr>
+                  </a:solidFill>
+                </a:rPr>
+              </a:br>
+              <a:r>
+                <a:rPr lang="en-US" sz="1200" dirty="0">
+                  <a:solidFill>
+                    <a:schemeClr val="bg1">
+                      <a:lumMod val="50000"/>
+                    </a:schemeClr>
+                  </a:solidFill>
+                </a:rPr>
+                <a:t>&gt; /skill faq-generator</a:t>
+              </a:r>
+              <a:br>
+                <a:rPr lang="en-US" sz="1200" dirty="0">
+                  <a:solidFill>
+                    <a:schemeClr val="bg1">
+                      <a:lumMod val="50000"/>
+                    </a:schemeClr>
+                  </a:solidFill>
+                </a:rPr>
+              </a:br>
+              <a:r>
+                <a:rPr lang="en-US" sz="1200" dirty="0">
+                  <a:solidFill>
+                    <a:schemeClr val="bg1">
+                      <a:lumMod val="50000"/>
+                    </a:schemeClr>
+                  </a:solidFill>
+                </a:rPr>
+                <a:t>&gt;/skill quiz-generator</a:t>
+              </a:r>
+              <a:br>
+                <a:rPr lang="en-US" sz="1200" dirty="0">
+                  <a:solidFill>
+                    <a:schemeClr val="bg1">
+                      <a:lumMod val="50000"/>
+                    </a:schemeClr>
+                  </a:solidFill>
+                </a:rPr>
+              </a:br>
+              <a:r>
+                <a:rPr lang="en-US" sz="1200" dirty="0">
+                  <a:solidFill>
+                    <a:schemeClr val="bg1">
+                      <a:lumMod val="50000"/>
+                    </a:schemeClr>
+                  </a:solidFill>
+                </a:rPr>
+                <a:t>&gt; /skill reference-generator</a:t>
+              </a:r>
+              <a:br>
+                <a:rPr lang="en-US" sz="1200" dirty="0">
+                  <a:solidFill>
+                    <a:schemeClr val="bg1">
+                      <a:lumMod val="50000"/>
+                    </a:schemeClr>
+                  </a:solidFill>
+                </a:rPr>
+              </a:br>
+              <a:r>
+                <a:rPr lang="en-US" sz="1200" dirty="0">
+                  <a:solidFill>
+                    <a:schemeClr val="bg1">
+                      <a:lumMod val="50000"/>
+                    </a:schemeClr>
+                  </a:solidFill>
+                </a:rPr>
+                <a:t>&gt;/skill linkedin-announcement-generator</a:t>
+              </a:r>
+            </a:p>
+          </p:txBody>
+        </p:sp>
+      </p:grpSp>
       <p:sp>
         <p:nvSpPr>
           <p:cNvPr id="17" name="Rounded Rectangle 16">
@@ -4508,360 +4569,362 @@
           </a:p>
         </p:txBody>
       </p:sp>
-      <p:sp>
-        <p:nvSpPr>
-          <p:cNvPr id="27" name="Rounded Rectangle 26">
+      <p:grpSp>
+        <p:nvGrpSpPr>
+          <p:cNvPr id="37" name="Group 36">
             <a:extLst>
               <a:ext uri="{FF2B5EF4-FFF2-40B4-BE49-F238E27FC236}">
-                <a16:creationId xmlns:a16="http://schemas.microsoft.com/office/drawing/2014/main" id="{1709C0B0-9506-8B20-9587-445F2BB6F600}"/>
+                <a16:creationId xmlns:a16="http://schemas.microsoft.com/office/drawing/2014/main" id="{ADD2124F-FB22-41C5-5B0B-E879695C7C64}"/>
               </a:ext>
             </a:extLst>
           </p:cNvPr>
-          <p:cNvSpPr/>
+          <p:cNvGrpSpPr/>
           <p:nvPr/>
-        </p:nvSpPr>
-        <p:spPr>
+        </p:nvGrpSpPr>
+        <p:grpSpPr>
           <a:xfrm>
-            <a:off x="180704" y="6336726"/>
-            <a:ext cx="3270310" cy="2753087"/>
+            <a:off x="137841" y="6912731"/>
+            <a:ext cx="2878564" cy="2891457"/>
+            <a:chOff x="180704" y="6198356"/>
+            <a:chExt cx="2878564" cy="2891457"/>
           </a:xfrm>
-          <a:prstGeom prst="roundRect">
-            <a:avLst>
-              <a:gd name="adj" fmla="val 3879"/>
-            </a:avLst>
-          </a:prstGeom>
-          <a:solidFill>
-            <a:schemeClr val="bg1"/>
-          </a:solidFill>
-        </p:spPr>
-        <p:style>
-          <a:lnRef idx="2">
-            <a:schemeClr val="accent1">
-              <a:shade val="15000"/>
-            </a:schemeClr>
-          </a:lnRef>
-          <a:fillRef idx="1">
-            <a:schemeClr val="accent1"/>
-          </a:fillRef>
-          <a:effectRef idx="0">
-            <a:schemeClr val="accent1"/>
-          </a:effectRef>
-          <a:fontRef idx="minor">
-            <a:schemeClr val="lt1"/>
-          </a:fontRef>
-        </p:style>
-        <p:txBody>
-          <a:bodyPr rtlCol="0" anchor="ctr"/>
-          <a:lstStyle/>
-          <a:p>
-            <a:pPr algn="ctr"/>
-            <a:endParaRPr lang="en-US" dirty="0">
-              <a:solidFill>
-                <a:schemeClr val="tx1"/>
-              </a:solidFill>
-            </a:endParaRPr>
-          </a:p>
-        </p:txBody>
-      </p:sp>
-      <p:sp>
-        <p:nvSpPr>
-          <p:cNvPr id="28" name="Rounded Rectangle 27">
-            <a:extLst>
-              <a:ext uri="{FF2B5EF4-FFF2-40B4-BE49-F238E27FC236}">
-                <a16:creationId xmlns:a16="http://schemas.microsoft.com/office/drawing/2014/main" id="{11755D53-6CB6-5B62-6FB5-F3699060D0C7}"/>
-              </a:ext>
-            </a:extLst>
-          </p:cNvPr>
-          <p:cNvSpPr/>
-          <p:nvPr/>
-        </p:nvSpPr>
-        <p:spPr>
-          <a:xfrm>
-            <a:off x="338481" y="6198356"/>
-            <a:ext cx="2973679" cy="292780"/>
-          </a:xfrm>
-          <a:prstGeom prst="roundRect">
-            <a:avLst>
-              <a:gd name="adj" fmla="val 19724"/>
-            </a:avLst>
-          </a:prstGeom>
-          <a:solidFill>
-            <a:schemeClr val="bg1"/>
-          </a:solidFill>
-        </p:spPr>
-        <p:style>
-          <a:lnRef idx="2">
-            <a:schemeClr val="accent1">
-              <a:shade val="15000"/>
-            </a:schemeClr>
-          </a:lnRef>
-          <a:fillRef idx="1">
-            <a:schemeClr val="accent1"/>
-          </a:fillRef>
-          <a:effectRef idx="0">
-            <a:schemeClr val="accent1"/>
-          </a:effectRef>
-          <a:fontRef idx="minor">
-            <a:schemeClr val="lt1"/>
-          </a:fontRef>
-        </p:style>
-        <p:txBody>
-          <a:bodyPr rtlCol="0" anchor="ctr"/>
-          <a:lstStyle/>
-          <a:p>
-            <a:pPr algn="ctr"/>
-            <a:r>
-              <a:rPr lang="en-US" sz="1400" dirty="0">
+        </p:grpSpPr>
+        <p:sp>
+          <p:nvSpPr>
+            <p:cNvPr id="27" name="Rounded Rectangle 26">
+              <a:extLst>
+                <a:ext uri="{FF2B5EF4-FFF2-40B4-BE49-F238E27FC236}">
+                  <a16:creationId xmlns:a16="http://schemas.microsoft.com/office/drawing/2014/main" id="{1709C0B0-9506-8B20-9587-445F2BB6F600}"/>
+                </a:ext>
+              </a:extLst>
+            </p:cNvPr>
+            <p:cNvSpPr/>
+            <p:nvPr/>
+          </p:nvSpPr>
+          <p:spPr>
+            <a:xfrm>
+              <a:off x="180704" y="6336726"/>
+              <a:ext cx="2783779" cy="2753087"/>
+            </a:xfrm>
+            <a:prstGeom prst="roundRect">
+              <a:avLst>
+                <a:gd name="adj" fmla="val 3879"/>
+              </a:avLst>
+            </a:prstGeom>
+            <a:solidFill>
+              <a:schemeClr val="bg1"/>
+            </a:solidFill>
+          </p:spPr>
+          <p:style>
+            <a:lnRef idx="2">
+              <a:schemeClr val="accent1">
+                <a:shade val="15000"/>
+              </a:schemeClr>
+            </a:lnRef>
+            <a:fillRef idx="1">
+              <a:schemeClr val="accent1"/>
+            </a:fillRef>
+            <a:effectRef idx="0">
+              <a:schemeClr val="accent1"/>
+            </a:effectRef>
+            <a:fontRef idx="minor">
+              <a:schemeClr val="lt1"/>
+            </a:fontRef>
+          </p:style>
+          <p:txBody>
+            <a:bodyPr rtlCol="0" anchor="ctr"/>
+            <a:lstStyle/>
+            <a:p>
+              <a:pPr algn="ctr"/>
+              <a:endParaRPr lang="en-US" dirty="0">
                 <a:solidFill>
                   <a:schemeClr val="tx1"/>
                 </a:solidFill>
-              </a:rPr>
-              <a:t>Sample MicroSim Generation Skills</a:t>
-            </a:r>
-          </a:p>
-        </p:txBody>
-      </p:sp>
-      <p:sp>
-        <p:nvSpPr>
-          <p:cNvPr id="29" name="TextBox 28">
-            <a:extLst>
-              <a:ext uri="{FF2B5EF4-FFF2-40B4-BE49-F238E27FC236}">
-                <a16:creationId xmlns:a16="http://schemas.microsoft.com/office/drawing/2014/main" id="{8D5FA5B7-80DE-43A0-0B7B-D28316C2BBD5}"/>
-              </a:ext>
-            </a:extLst>
-          </p:cNvPr>
-          <p:cNvSpPr txBox="1"/>
-          <p:nvPr/>
-        </p:nvSpPr>
-        <p:spPr>
-          <a:xfrm>
-            <a:off x="226979" y="6507239"/>
-            <a:ext cx="3047927" cy="2492990"/>
-          </a:xfrm>
-          <a:prstGeom prst="rect">
-            <a:avLst/>
-          </a:prstGeom>
-          <a:noFill/>
-        </p:spPr>
-        <p:txBody>
-          <a:bodyPr wrap="square">
-            <a:spAutoFit/>
-          </a:bodyPr>
-          <a:lstStyle/>
-          <a:p>
-            <a:r>
-              <a:rPr lang="en-US" sz="1200" dirty="0">
-                <a:solidFill>
-                  <a:schemeClr val="bg1">
-                    <a:lumMod val="50000"/>
-                  </a:schemeClr>
-                </a:solidFill>
-              </a:rPr>
-              <a:t>&gt; /skill microsim-p5</a:t>
-            </a:r>
-          </a:p>
-          <a:p>
-            <a:r>
-              <a:rPr lang="en-US" sz="1200" dirty="0">
-                <a:solidFill>
-                  <a:schemeClr val="bg1">
-                    <a:lumMod val="50000"/>
-                  </a:schemeClr>
-                </a:solidFill>
-              </a:rPr>
-              <a:t>&gt; /skill mermaid-generator</a:t>
-            </a:r>
-          </a:p>
-          <a:p>
-            <a:r>
-              <a:rPr lang="en-US" sz="1200" dirty="0">
-                <a:solidFill>
-                  <a:schemeClr val="bg1">
-                    <a:lumMod val="50000"/>
-                  </a:schemeClr>
-                </a:solidFill>
-              </a:rPr>
-              <a:t>&gt; /skill microsim-vis-network</a:t>
-            </a:r>
-          </a:p>
-          <a:p>
-            <a:r>
-              <a:rPr lang="en-US" sz="1200" dirty="0">
-                <a:solidFill>
-                  <a:schemeClr val="bg1">
-                    <a:lumMod val="50000"/>
-                  </a:schemeClr>
-                </a:solidFill>
-              </a:rPr>
-              <a:t>&gt; /skill chartjs-generator</a:t>
-            </a:r>
-          </a:p>
-          <a:p>
-            <a:r>
-              <a:rPr lang="en-US" sz="1200" dirty="0">
-                <a:solidFill>
-                  <a:schemeClr val="bg1">
-                    <a:lumMod val="50000"/>
-                  </a:schemeClr>
-                </a:solidFill>
-              </a:rPr>
-              <a:t>&gt; /skill timeline-generator</a:t>
-            </a:r>
-            <a:br>
-              <a:rPr lang="en-US" sz="1200" dirty="0">
-                <a:solidFill>
-                  <a:schemeClr val="bg1">
-                    <a:lumMod val="50000"/>
-                  </a:schemeClr>
-                </a:solidFill>
-              </a:rPr>
-            </a:br>
-            <a:r>
-              <a:rPr lang="en-US" sz="1200" dirty="0">
-                <a:solidFill>
-                  <a:schemeClr val="bg1">
-                    <a:lumMod val="50000"/>
-                  </a:schemeClr>
-                </a:solidFill>
-              </a:rPr>
-              <a:t>&gt; /skill map-generator</a:t>
-            </a:r>
-            <a:br>
-              <a:rPr lang="en-US" sz="1200" dirty="0">
-                <a:solidFill>
-                  <a:schemeClr val="bg1">
-                    <a:lumMod val="50000"/>
-                  </a:schemeClr>
-                </a:solidFill>
-              </a:rPr>
-            </a:br>
-            <a:r>
-              <a:rPr lang="en-US" sz="1200" dirty="0">
-                <a:solidFill>
-                  <a:schemeClr val="bg1">
-                    <a:lumMod val="50000"/>
-                  </a:schemeClr>
-                </a:solidFill>
-              </a:rPr>
-              <a:t>&gt; /skill math-function-plotter-plotly</a:t>
-            </a:r>
-            <a:br>
-              <a:rPr lang="en-US" sz="1200" dirty="0">
-                <a:solidFill>
-                  <a:schemeClr val="bg1">
-                    <a:lumMod val="50000"/>
-                  </a:schemeClr>
-                </a:solidFill>
-              </a:rPr>
-            </a:br>
-            <a:r>
-              <a:rPr lang="en-US" sz="1200" dirty="0">
-                <a:solidFill>
-                  <a:schemeClr val="bg1">
-                    <a:lumMod val="50000"/>
-                  </a:schemeClr>
-                </a:solidFill>
-              </a:rPr>
-              <a:t>&gt; /skill causal-loop-microsim-generator</a:t>
-            </a:r>
-            <a:br>
-              <a:rPr lang="en-US" sz="1200" dirty="0">
-                <a:solidFill>
-                  <a:schemeClr val="bg1">
-                    <a:lumMod val="50000"/>
-                  </a:schemeClr>
-                </a:solidFill>
-              </a:rPr>
-            </a:br>
-            <a:r>
-              <a:rPr lang="en-US" sz="1200" dirty="0">
-                <a:solidFill>
-                  <a:schemeClr val="bg1">
-                    <a:lumMod val="50000"/>
-                  </a:schemeClr>
-                </a:solidFill>
-              </a:rPr>
-              <a:t>&gt; /skill microsim-matcher</a:t>
-            </a:r>
-            <a:br>
-              <a:rPr lang="en-US" sz="1200" dirty="0">
-                <a:solidFill>
-                  <a:schemeClr val="bg1">
-                    <a:lumMod val="50000"/>
-                  </a:schemeClr>
-                </a:solidFill>
-              </a:rPr>
-            </a:br>
-            <a:r>
-              <a:rPr lang="en-US" sz="1200" dirty="0">
-                <a:solidFill>
-                  <a:schemeClr val="bg1">
-                    <a:lumMod val="50000"/>
-                  </a:schemeClr>
-                </a:solidFill>
-              </a:rPr>
-              <a:t>&gt; /skill microsim-screen-capture</a:t>
-            </a:r>
-            <a:br>
-              <a:rPr lang="en-US" sz="1200" dirty="0">
-                <a:solidFill>
-                  <a:schemeClr val="bg1">
-                    <a:lumMod val="50000"/>
-                  </a:schemeClr>
-                </a:solidFill>
-              </a:rPr>
-            </a:br>
-            <a:r>
-              <a:rPr lang="en-US" sz="1200" dirty="0">
-                <a:solidFill>
-                  <a:schemeClr val="bg1">
-                    <a:lumMod val="50000"/>
-                  </a:schemeClr>
-                </a:solidFill>
-              </a:rPr>
-              <a:t>&gt; /skill readme-generator</a:t>
-            </a:r>
-            <a:br>
-              <a:rPr lang="en-US" sz="1200" dirty="0">
-                <a:solidFill>
-                  <a:schemeClr val="bg1">
-                    <a:lumMod val="50000"/>
-                  </a:schemeClr>
-                </a:solidFill>
-              </a:rPr>
-            </a:br>
-            <a:r>
-              <a:rPr lang="en-US" sz="1200" dirty="0">
-                <a:solidFill>
-                  <a:schemeClr val="bg1">
-                    <a:lumMod val="50000"/>
-                  </a:schemeClr>
-                </a:solidFill>
-              </a:rPr>
-              <a:t>&gt; /skill microsim-standardization</a:t>
-            </a:r>
-            <a:br>
-              <a:rPr lang="en-US" sz="1200" dirty="0">
-                <a:solidFill>
-                  <a:schemeClr val="bg1">
-                    <a:lumMod val="50000"/>
-                  </a:schemeClr>
-                </a:solidFill>
-              </a:rPr>
-            </a:br>
-            <a:r>
-              <a:rPr lang="en-US" sz="1200" dirty="0">
-                <a:solidFill>
-                  <a:schemeClr val="bg1">
-                    <a:lumMod val="50000"/>
-                  </a:schemeClr>
-                </a:solidFill>
-              </a:rPr>
-              <a:t>&gt; /skill linkedin-announcement-generator</a:t>
-            </a:r>
-          </a:p>
-        </p:txBody>
-      </p:sp>
+              </a:endParaRPr>
+            </a:p>
+          </p:txBody>
+        </p:sp>
+        <p:sp>
+          <p:nvSpPr>
+            <p:cNvPr id="28" name="Rounded Rectangle 27">
+              <a:extLst>
+                <a:ext uri="{FF2B5EF4-FFF2-40B4-BE49-F238E27FC236}">
+                  <a16:creationId xmlns:a16="http://schemas.microsoft.com/office/drawing/2014/main" id="{11755D53-6CB6-5B62-6FB5-F3699060D0C7}"/>
+                </a:ext>
+              </a:extLst>
+            </p:cNvPr>
+            <p:cNvSpPr/>
+            <p:nvPr/>
+          </p:nvSpPr>
+          <p:spPr>
+            <a:xfrm>
+              <a:off x="338482" y="6198356"/>
+              <a:ext cx="2218982" cy="292780"/>
+            </a:xfrm>
+            <a:prstGeom prst="roundRect">
+              <a:avLst>
+                <a:gd name="adj" fmla="val 19724"/>
+              </a:avLst>
+            </a:prstGeom>
+            <a:solidFill>
+              <a:schemeClr val="bg1"/>
+            </a:solidFill>
+          </p:spPr>
+          <p:style>
+            <a:lnRef idx="2">
+              <a:schemeClr val="accent1">
+                <a:shade val="15000"/>
+              </a:schemeClr>
+            </a:lnRef>
+            <a:fillRef idx="1">
+              <a:schemeClr val="accent1"/>
+            </a:fillRef>
+            <a:effectRef idx="0">
+              <a:schemeClr val="accent1"/>
+            </a:effectRef>
+            <a:fontRef idx="minor">
+              <a:schemeClr val="lt1"/>
+            </a:fontRef>
+          </p:style>
+          <p:txBody>
+            <a:bodyPr rtlCol="0" anchor="ctr"/>
+            <a:lstStyle/>
+            <a:p>
+              <a:pPr algn="ctr"/>
+              <a:r>
+                <a:rPr lang="en-US" sz="1400" dirty="0">
+                  <a:solidFill>
+                    <a:schemeClr val="tx1"/>
+                  </a:solidFill>
+                </a:rPr>
+                <a:t>Sample MicroSim Skills</a:t>
+              </a:r>
+            </a:p>
+          </p:txBody>
+        </p:sp>
+        <p:sp>
+          <p:nvSpPr>
+            <p:cNvPr id="29" name="TextBox 28">
+              <a:extLst>
+                <a:ext uri="{FF2B5EF4-FFF2-40B4-BE49-F238E27FC236}">
+                  <a16:creationId xmlns:a16="http://schemas.microsoft.com/office/drawing/2014/main" id="{8D5FA5B7-80DE-43A0-0B7B-D28316C2BBD5}"/>
+                </a:ext>
+              </a:extLst>
+            </p:cNvPr>
+            <p:cNvSpPr txBox="1"/>
+            <p:nvPr/>
+          </p:nvSpPr>
+          <p:spPr>
+            <a:xfrm>
+              <a:off x="199101" y="6512815"/>
+              <a:ext cx="2860167" cy="2308324"/>
+            </a:xfrm>
+            <a:prstGeom prst="rect">
+              <a:avLst/>
+            </a:prstGeom>
+            <a:noFill/>
+          </p:spPr>
+          <p:txBody>
+            <a:bodyPr wrap="square">
+              <a:spAutoFit/>
+            </a:bodyPr>
+            <a:lstStyle/>
+            <a:p>
+              <a:r>
+                <a:rPr lang="en-US" sz="1200" dirty="0">
+                  <a:solidFill>
+                    <a:schemeClr val="bg1">
+                      <a:lumMod val="50000"/>
+                    </a:schemeClr>
+                  </a:solidFill>
+                </a:rPr>
+                <a:t>&gt; /skill microsim-p5</a:t>
+              </a:r>
+            </a:p>
+            <a:p>
+              <a:r>
+                <a:rPr lang="en-US" sz="1200" dirty="0">
+                  <a:solidFill>
+                    <a:schemeClr val="bg1">
+                      <a:lumMod val="50000"/>
+                    </a:schemeClr>
+                  </a:solidFill>
+                </a:rPr>
+                <a:t>&gt; /skill mermaid-generator</a:t>
+              </a:r>
+            </a:p>
+            <a:p>
+              <a:r>
+                <a:rPr lang="en-US" sz="1200" dirty="0">
+                  <a:solidFill>
+                    <a:schemeClr val="bg1">
+                      <a:lumMod val="50000"/>
+                    </a:schemeClr>
+                  </a:solidFill>
+                </a:rPr>
+                <a:t>&gt; /skill microsim-vis-network</a:t>
+              </a:r>
+            </a:p>
+            <a:p>
+              <a:r>
+                <a:rPr lang="en-US" sz="1200" dirty="0">
+                  <a:solidFill>
+                    <a:schemeClr val="bg1">
+                      <a:lumMod val="50000"/>
+                    </a:schemeClr>
+                  </a:solidFill>
+                </a:rPr>
+                <a:t>&gt; /skill chartjs-generator</a:t>
+              </a:r>
+            </a:p>
+            <a:p>
+              <a:r>
+                <a:rPr lang="en-US" sz="1200" dirty="0">
+                  <a:solidFill>
+                    <a:schemeClr val="bg1">
+                      <a:lumMod val="50000"/>
+                    </a:schemeClr>
+                  </a:solidFill>
+                </a:rPr>
+                <a:t>&gt; /skill timeline-generator</a:t>
+              </a:r>
+              <a:br>
+                <a:rPr lang="en-US" sz="1200" dirty="0">
+                  <a:solidFill>
+                    <a:schemeClr val="bg1">
+                      <a:lumMod val="50000"/>
+                    </a:schemeClr>
+                  </a:solidFill>
+                </a:rPr>
+              </a:br>
+              <a:r>
+                <a:rPr lang="en-US" sz="1200" dirty="0">
+                  <a:solidFill>
+                    <a:schemeClr val="bg1">
+                      <a:lumMod val="50000"/>
+                    </a:schemeClr>
+                  </a:solidFill>
+                </a:rPr>
+                <a:t>&gt; /skill map-generator</a:t>
+              </a:r>
+              <a:br>
+                <a:rPr lang="en-US" sz="1200" dirty="0">
+                  <a:solidFill>
+                    <a:schemeClr val="bg1">
+                      <a:lumMod val="50000"/>
+                    </a:schemeClr>
+                  </a:solidFill>
+                </a:rPr>
+              </a:br>
+              <a:r>
+                <a:rPr lang="en-US" sz="1200" dirty="0">
+                  <a:solidFill>
+                    <a:schemeClr val="bg1">
+                      <a:lumMod val="50000"/>
+                    </a:schemeClr>
+                  </a:solidFill>
+                </a:rPr>
+                <a:t>&gt; /skill math-function-plotter-plotly</a:t>
+              </a:r>
+              <a:br>
+                <a:rPr lang="en-US" sz="1200" dirty="0">
+                  <a:solidFill>
+                    <a:schemeClr val="bg1">
+                      <a:lumMod val="50000"/>
+                    </a:schemeClr>
+                  </a:solidFill>
+                </a:rPr>
+              </a:br>
+              <a:r>
+                <a:rPr lang="en-US" sz="1200" dirty="0">
+                  <a:solidFill>
+                    <a:schemeClr val="bg1">
+                      <a:lumMod val="50000"/>
+                    </a:schemeClr>
+                  </a:solidFill>
+                </a:rPr>
+                <a:t>&gt; /skill causal-loop-microsim-generator</a:t>
+              </a:r>
+              <a:br>
+                <a:rPr lang="en-US" sz="1200" dirty="0">
+                  <a:solidFill>
+                    <a:schemeClr val="bg1">
+                      <a:lumMod val="50000"/>
+                    </a:schemeClr>
+                  </a:solidFill>
+                </a:rPr>
+              </a:br>
+              <a:r>
+                <a:rPr lang="en-US" sz="1200" dirty="0">
+                  <a:solidFill>
+                    <a:schemeClr val="bg1">
+                      <a:lumMod val="50000"/>
+                    </a:schemeClr>
+                  </a:solidFill>
+                </a:rPr>
+                <a:t>&gt; /skill microsim-matcher</a:t>
+              </a:r>
+              <a:br>
+                <a:rPr lang="en-US" sz="1200" dirty="0">
+                  <a:solidFill>
+                    <a:schemeClr val="bg1">
+                      <a:lumMod val="50000"/>
+                    </a:schemeClr>
+                  </a:solidFill>
+                </a:rPr>
+              </a:br>
+              <a:r>
+                <a:rPr lang="en-US" sz="1200" dirty="0">
+                  <a:solidFill>
+                    <a:schemeClr val="bg1">
+                      <a:lumMod val="50000"/>
+                    </a:schemeClr>
+                  </a:solidFill>
+                </a:rPr>
+                <a:t>&gt; /skill microsim-screen-capture</a:t>
+              </a:r>
+              <a:br>
+                <a:rPr lang="en-US" sz="1200" dirty="0">
+                  <a:solidFill>
+                    <a:schemeClr val="bg1">
+                      <a:lumMod val="50000"/>
+                    </a:schemeClr>
+                  </a:solidFill>
+                </a:rPr>
+              </a:br>
+              <a:r>
+                <a:rPr lang="en-US" sz="1200" dirty="0">
+                  <a:solidFill>
+                    <a:schemeClr val="bg1">
+                      <a:lumMod val="50000"/>
+                    </a:schemeClr>
+                  </a:solidFill>
+                </a:rPr>
+                <a:t>&gt; /skill readme-generator</a:t>
+              </a:r>
+              <a:br>
+                <a:rPr lang="en-US" sz="1200" dirty="0">
+                  <a:solidFill>
+                    <a:schemeClr val="bg1">
+                      <a:lumMod val="50000"/>
+                    </a:schemeClr>
+                  </a:solidFill>
+                </a:rPr>
+              </a:br>
+              <a:r>
+                <a:rPr lang="en-US" sz="1200" dirty="0">
+                  <a:solidFill>
+                    <a:schemeClr val="bg1">
+                      <a:lumMod val="50000"/>
+                    </a:schemeClr>
+                  </a:solidFill>
+                </a:rPr>
+                <a:t>&gt; /skill microsim-standardization</a:t>
+              </a:r>
+            </a:p>
+          </p:txBody>
+        </p:sp>
+      </p:grpSp>
       <p:sp>
         <p:nvSpPr>
           <p:cNvPr id="30" name="Rounded Rectangle 29">
@@ -5163,25 +5226,8 @@
                   </a:schemeClr>
                 </a:solidFill>
               </a:rPr>
-              <a:t> plugin for </a:t>
-            </a:r>
-            <a:r>
-              <a:rPr lang="en-US" sz="800" dirty="0" err="1">
-                <a:solidFill>
-                  <a:schemeClr val="bg1">
-                    <a:lumMod val="50000"/>
-                  </a:schemeClr>
-                </a:solidFill>
-              </a:rPr>
-              <a:t>mkdocs</a:t>
-            </a:r>
-            <a:endParaRPr lang="en-US" sz="800" dirty="0">
-              <a:solidFill>
-                <a:schemeClr val="bg1">
-                  <a:lumMod val="50000"/>
-                </a:schemeClr>
-              </a:solidFill>
-            </a:endParaRPr>
+              <a:t> plugin for mkdocs</a:t>
+            </a:r>
           </a:p>
           <a:p>
             <a:r>
@@ -5270,347 +5316,456 @@
           </a:p>
         </p:txBody>
       </p:sp>
-      <p:sp>
-        <p:nvSpPr>
-          <p:cNvPr id="33" name="Rounded Rectangle 32">
+      <p:grpSp>
+        <p:nvGrpSpPr>
+          <p:cNvPr id="43" name="Group 42">
             <a:extLst>
               <a:ext uri="{FF2B5EF4-FFF2-40B4-BE49-F238E27FC236}">
-                <a16:creationId xmlns:a16="http://schemas.microsoft.com/office/drawing/2014/main" id="{9C41B9F9-0D2D-B355-A88F-10BA5435A9B1}"/>
+                <a16:creationId xmlns:a16="http://schemas.microsoft.com/office/drawing/2014/main" id="{1CAE275B-C9D5-AA5F-8F4E-1111624445ED}"/>
               </a:ext>
             </a:extLst>
           </p:cNvPr>
-          <p:cNvSpPr/>
+          <p:cNvGrpSpPr/>
           <p:nvPr/>
-        </p:nvSpPr>
-        <p:spPr>
+        </p:nvGrpSpPr>
+        <p:grpSpPr>
           <a:xfrm>
-            <a:off x="3540276" y="7616886"/>
-            <a:ext cx="4100043" cy="1963994"/>
+            <a:off x="3066349" y="7330370"/>
+            <a:ext cx="4488602" cy="2451190"/>
+            <a:chOff x="3540276" y="7492062"/>
+            <a:chExt cx="4100043" cy="2451190"/>
           </a:xfrm>
-          <a:prstGeom prst="roundRect">
-            <a:avLst>
-              <a:gd name="adj" fmla="val 3879"/>
-            </a:avLst>
-          </a:prstGeom>
-          <a:solidFill>
-            <a:schemeClr val="bg1"/>
-          </a:solidFill>
-        </p:spPr>
-        <p:style>
-          <a:lnRef idx="2">
-            <a:schemeClr val="accent1">
-              <a:shade val="15000"/>
-            </a:schemeClr>
-          </a:lnRef>
-          <a:fillRef idx="1">
-            <a:schemeClr val="accent1"/>
-          </a:fillRef>
-          <a:effectRef idx="0">
-            <a:schemeClr val="accent1"/>
-          </a:effectRef>
-          <a:fontRef idx="minor">
-            <a:schemeClr val="lt1"/>
-          </a:fontRef>
-        </p:style>
-        <p:txBody>
-          <a:bodyPr rtlCol="0" anchor="ctr"/>
-          <a:lstStyle/>
-          <a:p>
-            <a:pPr algn="ctr"/>
-            <a:endParaRPr lang="en-US" dirty="0">
-              <a:solidFill>
-                <a:schemeClr val="tx1"/>
-              </a:solidFill>
-            </a:endParaRPr>
-          </a:p>
-        </p:txBody>
-      </p:sp>
-      <p:sp>
-        <p:nvSpPr>
-          <p:cNvPr id="34" name="Rounded Rectangle 33">
-            <a:extLst>
-              <a:ext uri="{FF2B5EF4-FFF2-40B4-BE49-F238E27FC236}">
-                <a16:creationId xmlns:a16="http://schemas.microsoft.com/office/drawing/2014/main" id="{2DFA5F12-9FEF-3131-5912-CDC5D6A7C33B}"/>
-              </a:ext>
-            </a:extLst>
-          </p:cNvPr>
-          <p:cNvSpPr/>
-          <p:nvPr/>
-        </p:nvSpPr>
-        <p:spPr>
-          <a:xfrm>
-            <a:off x="3725149" y="7492062"/>
-            <a:ext cx="1690132" cy="280337"/>
-          </a:xfrm>
-          <a:prstGeom prst="roundRect">
-            <a:avLst>
-              <a:gd name="adj" fmla="val 19724"/>
-            </a:avLst>
-          </a:prstGeom>
-          <a:solidFill>
-            <a:schemeClr val="bg1"/>
-          </a:solidFill>
-        </p:spPr>
-        <p:style>
-          <a:lnRef idx="2">
-            <a:schemeClr val="accent1">
-              <a:shade val="15000"/>
-            </a:schemeClr>
-          </a:lnRef>
-          <a:fillRef idx="1">
-            <a:schemeClr val="accent1"/>
-          </a:fillRef>
-          <a:effectRef idx="0">
-            <a:schemeClr val="accent1"/>
-          </a:effectRef>
-          <a:fontRef idx="minor">
-            <a:schemeClr val="lt1"/>
-          </a:fontRef>
-        </p:style>
-        <p:txBody>
-          <a:bodyPr rtlCol="0" anchor="ctr"/>
-          <a:lstStyle/>
-          <a:p>
-            <a:pPr algn="ctr"/>
-            <a:r>
-              <a:rPr lang="en-US" sz="1400" dirty="0">
+        </p:grpSpPr>
+        <p:sp>
+          <p:nvSpPr>
+            <p:cNvPr id="33" name="Rounded Rectangle 32">
+              <a:extLst>
+                <a:ext uri="{FF2B5EF4-FFF2-40B4-BE49-F238E27FC236}">
+                  <a16:creationId xmlns:a16="http://schemas.microsoft.com/office/drawing/2014/main" id="{9C41B9F9-0D2D-B355-A88F-10BA5435A9B1}"/>
+                </a:ext>
+              </a:extLst>
+            </p:cNvPr>
+            <p:cNvSpPr/>
+            <p:nvPr/>
+          </p:nvSpPr>
+          <p:spPr>
+            <a:xfrm>
+              <a:off x="3540276" y="7616885"/>
+              <a:ext cx="4100043" cy="2326367"/>
+            </a:xfrm>
+            <a:prstGeom prst="roundRect">
+              <a:avLst>
+                <a:gd name="adj" fmla="val 3879"/>
+              </a:avLst>
+            </a:prstGeom>
+            <a:solidFill>
+              <a:schemeClr val="bg1"/>
+            </a:solidFill>
+          </p:spPr>
+          <p:style>
+            <a:lnRef idx="2">
+              <a:schemeClr val="accent1">
+                <a:shade val="15000"/>
+              </a:schemeClr>
+            </a:lnRef>
+            <a:fillRef idx="1">
+              <a:schemeClr val="accent1"/>
+            </a:fillRef>
+            <a:effectRef idx="0">
+              <a:schemeClr val="accent1"/>
+            </a:effectRef>
+            <a:fontRef idx="minor">
+              <a:schemeClr val="lt1"/>
+            </a:fontRef>
+          </p:style>
+          <p:txBody>
+            <a:bodyPr rtlCol="0" anchor="ctr"/>
+            <a:lstStyle/>
+            <a:p>
+              <a:pPr algn="ctr"/>
+              <a:endParaRPr lang="en-US" dirty="0">
                 <a:solidFill>
                   <a:schemeClr val="tx1"/>
                 </a:solidFill>
-              </a:rPr>
-              <a:t>Tip and Tricks</a:t>
-            </a:r>
-          </a:p>
-        </p:txBody>
-      </p:sp>
-      <p:sp>
-        <p:nvSpPr>
-          <p:cNvPr id="35" name="TextBox 34">
-            <a:extLst>
-              <a:ext uri="{FF2B5EF4-FFF2-40B4-BE49-F238E27FC236}">
-                <a16:creationId xmlns:a16="http://schemas.microsoft.com/office/drawing/2014/main" id="{24949155-3358-4580-3DBD-ADC74722CACB}"/>
-              </a:ext>
-            </a:extLst>
-          </p:cNvPr>
-          <p:cNvSpPr txBox="1"/>
-          <p:nvPr/>
-        </p:nvSpPr>
-        <p:spPr>
-          <a:xfrm>
-            <a:off x="3545911" y="7848368"/>
-            <a:ext cx="3979261" cy="1569660"/>
-          </a:xfrm>
-          <a:prstGeom prst="rect">
-            <a:avLst/>
-          </a:prstGeom>
-          <a:noFill/>
-        </p:spPr>
-        <p:txBody>
-          <a:bodyPr wrap="square">
-            <a:spAutoFit/>
-          </a:bodyPr>
-          <a:lstStyle/>
-          <a:p>
-            <a:pPr marL="114300" indent="-114300">
-              <a:buAutoNum type="arabicPeriod"/>
-            </a:pPr>
-            <a:r>
-              <a:rPr lang="en-US" sz="800" dirty="0">
-                <a:solidFill>
-                  <a:schemeClr val="bg1">
-                    <a:lumMod val="50000"/>
-                  </a:schemeClr>
-                </a:solidFill>
-              </a:rPr>
-              <a:t>Use the @docs/{TAB] syntax to specify a path</a:t>
-            </a:r>
-          </a:p>
-          <a:p>
-            <a:pPr marL="114300" indent="-114300">
-              <a:buAutoNum type="arabicPeriod"/>
-            </a:pPr>
-            <a:r>
-              <a:rPr lang="en-US" sz="800" dirty="0">
-                <a:solidFill>
-                  <a:schemeClr val="bg1">
-                    <a:lumMod val="50000"/>
-                  </a:schemeClr>
-                </a:solidFill>
-              </a:rPr>
-              <a:t>Ask claude what skills it knows about</a:t>
-            </a:r>
-          </a:p>
-          <a:p>
-            <a:pPr marL="114300" indent="-114300">
-              <a:buAutoNum type="arabicPeriod"/>
-            </a:pPr>
-            <a:r>
-              <a:rPr lang="en-US" sz="800" dirty="0">
-                <a:solidFill>
-                  <a:schemeClr val="bg1">
-                    <a:lumMod val="50000"/>
-                  </a:schemeClr>
-                </a:solidFill>
-              </a:rPr>
-              <a:t>Ask claude what new skills should be created to save you time</a:t>
-            </a:r>
-          </a:p>
-          <a:p>
-            <a:pPr marL="114300" indent="-114300">
-              <a:buAutoNum type="arabicPeriod"/>
-            </a:pPr>
-            <a:r>
-              <a:rPr lang="en-US" sz="800" dirty="0">
-                <a:solidFill>
-                  <a:schemeClr val="bg1">
-                    <a:lumMod val="50000"/>
-                  </a:schemeClr>
-                </a:solidFill>
-              </a:rPr>
-              <a:t>Use the skill-creator skill to create specialized media types (circuit diagram)</a:t>
-            </a:r>
-          </a:p>
-          <a:p>
-            <a:pPr marL="114300" indent="-114300">
-              <a:buAutoNum type="arabicPeriod"/>
-            </a:pPr>
-            <a:r>
-              <a:rPr lang="en-US" sz="800" dirty="0">
-                <a:solidFill>
-                  <a:schemeClr val="bg1">
-                    <a:lumMod val="50000"/>
-                  </a:schemeClr>
-                </a:solidFill>
-              </a:rPr>
-              <a:t>Always do </a:t>
-            </a:r>
-            <a:r>
-              <a:rPr lang="en-US" sz="800" b="1" dirty="0"/>
-              <a:t>git pull </a:t>
-            </a:r>
-            <a:r>
-              <a:rPr lang="en-US" sz="800" dirty="0">
-                <a:solidFill>
-                  <a:schemeClr val="bg1">
-                    <a:lumMod val="50000"/>
-                  </a:schemeClr>
-                </a:solidFill>
-              </a:rPr>
-              <a:t>on the claude skills directory before you start a session</a:t>
-            </a:r>
-          </a:p>
-          <a:p>
-            <a:pPr marL="114300" indent="-114300">
-              <a:buAutoNum type="arabicPeriod"/>
-            </a:pPr>
-            <a:r>
-              <a:rPr lang="en-US" sz="800" dirty="0">
-                <a:solidFill>
-                  <a:schemeClr val="bg1">
-                    <a:lumMod val="50000"/>
-                  </a:schemeClr>
-                </a:solidFill>
-              </a:rPr>
-              <a:t>If you don’t see a new skill, rerun the </a:t>
-            </a:r>
-            <a:r>
-              <a:rPr lang="en-US" sz="800" b="1" dirty="0">
-                <a:solidFill>
-                  <a:schemeClr val="bg1">
-                    <a:lumMod val="50000"/>
-                  </a:schemeClr>
-                </a:solidFill>
-              </a:rPr>
-              <a:t>bk-install-skills</a:t>
-            </a:r>
-            <a:r>
-              <a:rPr lang="en-US" sz="800" dirty="0">
-                <a:solidFill>
-                  <a:schemeClr val="bg1">
-                    <a:lumMod val="50000"/>
-                  </a:schemeClr>
-                </a:solidFill>
-              </a:rPr>
-              <a:t> script</a:t>
-            </a:r>
-          </a:p>
-          <a:p>
-            <a:pPr marL="114300" indent="-114300">
-              <a:buAutoNum type="arabicPeriod"/>
-            </a:pPr>
-            <a:r>
-              <a:rPr lang="en-US" sz="800" dirty="0">
-                <a:solidFill>
-                  <a:schemeClr val="bg1">
-                    <a:lumMod val="50000"/>
-                  </a:schemeClr>
-                </a:solidFill>
-              </a:rPr>
-              <a:t>Run the &gt;/ide command to install claude on your IDE (</a:t>
-            </a:r>
-            <a:r>
-              <a:rPr lang="en-US" sz="800" dirty="0" err="1">
-                <a:solidFill>
-                  <a:schemeClr val="bg1">
-                    <a:lumMod val="50000"/>
-                  </a:schemeClr>
-                </a:solidFill>
-              </a:rPr>
-              <a:t>VSCode</a:t>
-            </a:r>
-            <a:r>
-              <a:rPr lang="en-US" sz="800" dirty="0">
-                <a:solidFill>
-                  <a:schemeClr val="bg1">
-                    <a:lumMod val="50000"/>
-                  </a:schemeClr>
-                </a:solidFill>
-              </a:rPr>
-              <a:t>)</a:t>
-            </a:r>
-          </a:p>
-          <a:p>
-            <a:pPr marL="114300" indent="-114300">
-              <a:buAutoNum type="arabicPeriod"/>
-            </a:pPr>
-            <a:r>
-              <a:rPr lang="en-US" sz="800" dirty="0">
-                <a:solidFill>
-                  <a:schemeClr val="bg1">
-                    <a:lumMod val="50000"/>
-                  </a:schemeClr>
-                </a:solidFill>
-              </a:rPr>
-              <a:t>Use the &gt; /skill microsim-matcher to match a learning objective with a microsim type</a:t>
-            </a:r>
-          </a:p>
-          <a:p>
-            <a:pPr marL="114300" indent="-114300">
-              <a:buAutoNum type="arabicPeriod"/>
-            </a:pPr>
-            <a:r>
-              <a:rPr lang="en-US" sz="800" dirty="0">
-                <a:solidFill>
-                  <a:schemeClr val="bg1">
-                    <a:lumMod val="50000"/>
-                  </a:schemeClr>
-                </a:solidFill>
-              </a:rPr>
-              <a:t>If your book is always checked into GitHub you can  set up a UNIX command alias claude-danger to add the </a:t>
-            </a:r>
-            <a:r>
-              <a:rPr lang="en-US" sz="800" dirty="0"/>
-              <a:t>--dangerously-skip-permissions</a:t>
-            </a:r>
-          </a:p>
-          <a:p>
-            <a:pPr marL="114300" indent="-114300">
-              <a:buAutoNum type="arabicPeriod"/>
-            </a:pPr>
-            <a:endParaRPr lang="en-US" sz="800" dirty="0"/>
-          </a:p>
-        </p:txBody>
-      </p:sp>
+              </a:endParaRPr>
+            </a:p>
+          </p:txBody>
+        </p:sp>
+        <p:sp>
+          <p:nvSpPr>
+            <p:cNvPr id="34" name="Rounded Rectangle 33">
+              <a:extLst>
+                <a:ext uri="{FF2B5EF4-FFF2-40B4-BE49-F238E27FC236}">
+                  <a16:creationId xmlns:a16="http://schemas.microsoft.com/office/drawing/2014/main" id="{2DFA5F12-9FEF-3131-5912-CDC5D6A7C33B}"/>
+                </a:ext>
+              </a:extLst>
+            </p:cNvPr>
+            <p:cNvSpPr/>
+            <p:nvPr/>
+          </p:nvSpPr>
+          <p:spPr>
+            <a:xfrm>
+              <a:off x="3725149" y="7492062"/>
+              <a:ext cx="1690132" cy="280337"/>
+            </a:xfrm>
+            <a:prstGeom prst="roundRect">
+              <a:avLst>
+                <a:gd name="adj" fmla="val 19724"/>
+              </a:avLst>
+            </a:prstGeom>
+            <a:solidFill>
+              <a:schemeClr val="bg1"/>
+            </a:solidFill>
+          </p:spPr>
+          <p:style>
+            <a:lnRef idx="2">
+              <a:schemeClr val="accent1">
+                <a:shade val="15000"/>
+              </a:schemeClr>
+            </a:lnRef>
+            <a:fillRef idx="1">
+              <a:schemeClr val="accent1"/>
+            </a:fillRef>
+            <a:effectRef idx="0">
+              <a:schemeClr val="accent1"/>
+            </a:effectRef>
+            <a:fontRef idx="minor">
+              <a:schemeClr val="lt1"/>
+            </a:fontRef>
+          </p:style>
+          <p:txBody>
+            <a:bodyPr rtlCol="0" anchor="ctr"/>
+            <a:lstStyle/>
+            <a:p>
+              <a:pPr algn="ctr"/>
+              <a:r>
+                <a:rPr lang="en-US" sz="1400" dirty="0">
+                  <a:solidFill>
+                    <a:schemeClr val="tx1"/>
+                  </a:solidFill>
+                </a:rPr>
+                <a:t>Tip and Tricks</a:t>
+              </a:r>
+            </a:p>
+          </p:txBody>
+        </p:sp>
+        <p:sp>
+          <p:nvSpPr>
+            <p:cNvPr id="35" name="TextBox 34">
+              <a:extLst>
+                <a:ext uri="{FF2B5EF4-FFF2-40B4-BE49-F238E27FC236}">
+                  <a16:creationId xmlns:a16="http://schemas.microsoft.com/office/drawing/2014/main" id="{24949155-3358-4580-3DBD-ADC74722CACB}"/>
+                </a:ext>
+              </a:extLst>
+            </p:cNvPr>
+            <p:cNvSpPr txBox="1"/>
+            <p:nvPr/>
+          </p:nvSpPr>
+          <p:spPr>
+            <a:xfrm>
+              <a:off x="3545911" y="7848368"/>
+              <a:ext cx="3979261" cy="1815882"/>
+            </a:xfrm>
+            <a:prstGeom prst="rect">
+              <a:avLst/>
+            </a:prstGeom>
+            <a:noFill/>
+          </p:spPr>
+          <p:txBody>
+            <a:bodyPr wrap="square">
+              <a:spAutoFit/>
+            </a:bodyPr>
+            <a:lstStyle/>
+            <a:p>
+              <a:pPr marL="114300" indent="-114300">
+                <a:buAutoNum type="arabicPeriod"/>
+              </a:pPr>
+              <a:r>
+                <a:rPr lang="en-US" sz="800" dirty="0">
+                  <a:solidFill>
+                    <a:schemeClr val="bg1">
+                      <a:lumMod val="50000"/>
+                    </a:schemeClr>
+                  </a:solidFill>
+                </a:rPr>
+                <a:t>Use the @docs/{TAB] syntax to specify a path</a:t>
+              </a:r>
+            </a:p>
+            <a:p>
+              <a:pPr marL="114300" indent="-114300">
+                <a:buAutoNum type="arabicPeriod"/>
+              </a:pPr>
+              <a:r>
+                <a:rPr lang="en-US" sz="800" dirty="0">
+                  <a:solidFill>
+                    <a:schemeClr val="bg1">
+                      <a:lumMod val="50000"/>
+                    </a:schemeClr>
+                  </a:solidFill>
+                </a:rPr>
+                <a:t>Ask claude what skills it knows about</a:t>
+              </a:r>
+            </a:p>
+            <a:p>
+              <a:pPr marL="114300" indent="-114300">
+                <a:buAutoNum type="arabicPeriod"/>
+              </a:pPr>
+              <a:r>
+                <a:rPr lang="en-US" sz="800" dirty="0">
+                  <a:solidFill>
+                    <a:schemeClr val="bg1">
+                      <a:lumMod val="50000"/>
+                    </a:schemeClr>
+                  </a:solidFill>
+                </a:rPr>
+                <a:t>Ask claude what new skills should be created to save you time</a:t>
+              </a:r>
+            </a:p>
+            <a:p>
+              <a:pPr marL="114300" indent="-114300">
+                <a:buAutoNum type="arabicPeriod"/>
+              </a:pPr>
+              <a:r>
+                <a:rPr lang="en-US" sz="800" dirty="0">
+                  <a:solidFill>
+                    <a:schemeClr val="bg1">
+                      <a:lumMod val="50000"/>
+                    </a:schemeClr>
+                  </a:solidFill>
+                </a:rPr>
+                <a:t>Use the skill-creator skill to create specialized media types (circuit diagram)</a:t>
+              </a:r>
+            </a:p>
+            <a:p>
+              <a:pPr marL="114300" indent="-114300">
+                <a:buAutoNum type="arabicPeriod"/>
+              </a:pPr>
+              <a:r>
+                <a:rPr lang="en-US" sz="800" dirty="0">
+                  <a:solidFill>
+                    <a:schemeClr val="bg1">
+                      <a:lumMod val="50000"/>
+                    </a:schemeClr>
+                  </a:solidFill>
+                </a:rPr>
+                <a:t>Always do </a:t>
+              </a:r>
+              <a:r>
+                <a:rPr lang="en-US" sz="800" dirty="0"/>
+                <a:t>git pull </a:t>
+              </a:r>
+              <a:r>
+                <a:rPr lang="en-US" sz="800" dirty="0">
+                  <a:solidFill>
+                    <a:schemeClr val="bg1">
+                      <a:lumMod val="50000"/>
+                    </a:schemeClr>
+                  </a:solidFill>
+                </a:rPr>
+                <a:t>on the claude skills directory before you start a session</a:t>
+              </a:r>
+            </a:p>
+            <a:p>
+              <a:pPr marL="114300" indent="-114300">
+                <a:buAutoNum type="arabicPeriod"/>
+              </a:pPr>
+              <a:r>
+                <a:rPr lang="en-US" sz="800" dirty="0">
+                  <a:solidFill>
+                    <a:schemeClr val="bg1">
+                      <a:lumMod val="50000"/>
+                    </a:schemeClr>
+                  </a:solidFill>
+                </a:rPr>
+                <a:t>If you don’t see a new skill, rerun the </a:t>
+              </a:r>
+              <a:r>
+                <a:rPr lang="en-US" sz="800" b="1" dirty="0"/>
+                <a:t>bk-install-skills</a:t>
+              </a:r>
+              <a:r>
+                <a:rPr lang="en-US" sz="800" dirty="0">
+                  <a:solidFill>
+                    <a:schemeClr val="bg1">
+                      <a:lumMod val="50000"/>
+                    </a:schemeClr>
+                  </a:solidFill>
+                </a:rPr>
+                <a:t> script</a:t>
+              </a:r>
+            </a:p>
+            <a:p>
+              <a:pPr marL="114300" indent="-114300">
+                <a:buAutoNum type="arabicPeriod"/>
+              </a:pPr>
+              <a:r>
+                <a:rPr lang="en-US" sz="800" dirty="0">
+                  <a:solidFill>
+                    <a:schemeClr val="bg1">
+                      <a:lumMod val="50000"/>
+                    </a:schemeClr>
+                  </a:solidFill>
+                </a:rPr>
+                <a:t>Run the &gt;</a:t>
+              </a:r>
+              <a:r>
+                <a:rPr lang="en-US" sz="800" dirty="0"/>
+                <a:t>/ide </a:t>
+              </a:r>
+              <a:r>
+                <a:rPr lang="en-US" sz="800" dirty="0">
+                  <a:solidFill>
+                    <a:schemeClr val="bg1">
+                      <a:lumMod val="50000"/>
+                    </a:schemeClr>
+                  </a:solidFill>
+                </a:rPr>
+                <a:t>command to install claude on your IDE (</a:t>
+              </a:r>
+              <a:r>
+                <a:rPr lang="en-US" sz="800" dirty="0" err="1">
+                  <a:solidFill>
+                    <a:schemeClr val="bg1">
+                      <a:lumMod val="50000"/>
+                    </a:schemeClr>
+                  </a:solidFill>
+                </a:rPr>
+                <a:t>VSCode</a:t>
+              </a:r>
+              <a:r>
+                <a:rPr lang="en-US" sz="800" dirty="0">
+                  <a:solidFill>
+                    <a:schemeClr val="bg1">
+                      <a:lumMod val="50000"/>
+                    </a:schemeClr>
+                  </a:solidFill>
+                </a:rPr>
+                <a:t>)</a:t>
+              </a:r>
+            </a:p>
+            <a:p>
+              <a:pPr marL="114300" indent="-114300">
+                <a:buAutoNum type="arabicPeriod"/>
+              </a:pPr>
+              <a:r>
+                <a:rPr lang="en-US" sz="800" dirty="0">
+                  <a:solidFill>
+                    <a:schemeClr val="bg1">
+                      <a:lumMod val="50000"/>
+                    </a:schemeClr>
+                  </a:solidFill>
+                </a:rPr>
+                <a:t>Use the &gt; </a:t>
+              </a:r>
+              <a:r>
+                <a:rPr lang="en-US" sz="800" dirty="0"/>
+                <a:t>/skill microsim-matcher </a:t>
+              </a:r>
+              <a:r>
+                <a:rPr lang="en-US" sz="800" dirty="0">
+                  <a:solidFill>
+                    <a:schemeClr val="bg1">
+                      <a:lumMod val="50000"/>
+                    </a:schemeClr>
+                  </a:solidFill>
+                </a:rPr>
+                <a:t>to match a learning objective with a microsim type</a:t>
+              </a:r>
+            </a:p>
+            <a:p>
+              <a:pPr marL="114300" indent="-114300">
+                <a:buAutoNum type="arabicPeriod"/>
+              </a:pPr>
+              <a:r>
+                <a:rPr lang="en-US" sz="800" dirty="0">
+                  <a:solidFill>
+                    <a:schemeClr val="bg1">
+                      <a:lumMod val="50000"/>
+                    </a:schemeClr>
+                  </a:solidFill>
+                </a:rPr>
+                <a:t>If your book is always checked into GitHub you can  set up a UNIX command alias claude-danger to add the </a:t>
+              </a:r>
+              <a:r>
+                <a:rPr lang="en-US" sz="800" dirty="0"/>
+                <a:t>--dangerously-skip-permissions</a:t>
+              </a:r>
+            </a:p>
+            <a:p>
+              <a:pPr marL="114300" indent="-114300">
+                <a:buAutoNum type="arabicPeriod"/>
+              </a:pPr>
+              <a:r>
+                <a:rPr lang="en-US" sz="800" dirty="0">
+                  <a:solidFill>
+                    <a:schemeClr val="bg1">
+                      <a:lumMod val="50000"/>
+                    </a:schemeClr>
+                  </a:solidFill>
+                </a:rPr>
+                <a:t>Use the </a:t>
+              </a:r>
+              <a:r>
+                <a:rPr lang="en-US" sz="800" dirty="0"/>
+                <a:t>mkdocs </a:t>
+              </a:r>
+              <a:r>
+                <a:rPr lang="en-US" sz="800" dirty="0" err="1"/>
+                <a:t>gh</a:t>
+              </a:r>
+              <a:r>
+                <a:rPr lang="en-US" sz="800" dirty="0"/>
+                <a:t>-deploy </a:t>
+              </a:r>
+              <a:r>
+                <a:rPr lang="en-US" sz="800" dirty="0">
+                  <a:solidFill>
+                    <a:schemeClr val="bg1">
+                      <a:lumMod val="50000"/>
+                    </a:schemeClr>
+                  </a:solidFill>
+                </a:rPr>
+                <a:t>to publish your book to GitHub Pages</a:t>
+              </a:r>
+            </a:p>
+            <a:p>
+              <a:pPr marL="114300" indent="-114300">
+                <a:buAutoNum type="arabicPeriod"/>
+              </a:pPr>
+              <a:r>
+                <a:rPr lang="en-US" sz="800" dirty="0">
+                  <a:solidFill>
+                    <a:schemeClr val="bg1">
+                      <a:lumMod val="50000"/>
+                    </a:schemeClr>
+                  </a:solidFill>
+                </a:rPr>
+                <a:t>Use the </a:t>
+              </a:r>
+              <a:r>
+                <a:rPr lang="en-US" sz="800" dirty="0"/>
+                <a:t>microsim-add-icons </a:t>
+              </a:r>
+              <a:r>
+                <a:rPr lang="en-US" sz="800" dirty="0">
+                  <a:solidFill>
+                    <a:schemeClr val="bg1">
+                      <a:lumMod val="50000"/>
+                    </a:schemeClr>
+                  </a:solidFill>
+                </a:rPr>
+                <a:t>skill to add the license and full-screen icons to the lower right corner of your MicroSim (adds 44 lines of code)</a:t>
+              </a:r>
+            </a:p>
+            <a:p>
+              <a:pPr marL="114300" indent="-114300">
+                <a:buAutoNum type="arabicPeriod"/>
+              </a:pPr>
+              <a:endParaRPr lang="en-US" sz="800" dirty="0"/>
+            </a:p>
+          </p:txBody>
+        </p:sp>
+      </p:grpSp>
       <p:sp>
         <p:nvSpPr>
           <p:cNvPr id="36" name="TextBox 35">
@@ -5652,6 +5807,71 @@
           </a:p>
         </p:txBody>
       </p:sp>
+      <p:sp>
+        <p:nvSpPr>
+          <p:cNvPr id="42" name="TextBox 41">
+            <a:extLst>
+              <a:ext uri="{FF2B5EF4-FFF2-40B4-BE49-F238E27FC236}">
+                <a16:creationId xmlns:a16="http://schemas.microsoft.com/office/drawing/2014/main" id="{3563D02A-54EF-7D6B-46D3-F64D187AE051}"/>
+              </a:ext>
+            </a:extLst>
+          </p:cNvPr>
+          <p:cNvSpPr txBox="1"/>
+          <p:nvPr/>
+        </p:nvSpPr>
+        <p:spPr>
+          <a:xfrm>
+            <a:off x="272158" y="780238"/>
+            <a:ext cx="3597460" cy="369332"/>
+          </a:xfrm>
+          <a:prstGeom prst="rect">
+            <a:avLst/>
+          </a:prstGeom>
+          <a:noFill/>
+        </p:spPr>
+        <p:txBody>
+          <a:bodyPr wrap="none" rtlCol="0">
+            <a:spAutoFit/>
+          </a:bodyPr>
+          <a:lstStyle/>
+          <a:p>
+            <a:r>
+              <a:rPr lang="en-US" dirty="0"/>
+              <a:t>https://bit.ly/dans-book-workshop</a:t>
+            </a:r>
+          </a:p>
+        </p:txBody>
+      </p:sp>
+      <p:pic>
+        <p:nvPicPr>
+          <p:cNvPr id="45" name="Picture 44" descr="A qr code on a white background&#10;&#10;AI-generated content may be incorrect.">
+            <a:extLst>
+              <a:ext uri="{FF2B5EF4-FFF2-40B4-BE49-F238E27FC236}">
+                <a16:creationId xmlns:a16="http://schemas.microsoft.com/office/drawing/2014/main" id="{D9769322-CF8F-98F9-68D0-03E8163107DE}"/>
+              </a:ext>
+            </a:extLst>
+          </p:cNvPr>
+          <p:cNvPicPr>
+            <a:picLocks noChangeAspect="1"/>
+          </p:cNvPicPr>
+          <p:nvPr/>
+        </p:nvPicPr>
+        <p:blipFill>
+          <a:blip r:embed="rId2"/>
+          <a:stretch>
+            <a:fillRect/>
+          </a:stretch>
+        </p:blipFill>
+        <p:spPr>
+          <a:xfrm>
+            <a:off x="3497456" y="4187283"/>
+            <a:ext cx="749844" cy="763860"/>
+          </a:xfrm>
+          <a:prstGeom prst="rect">
+            <a:avLst/>
+          </a:prstGeom>
+        </p:spPr>
+      </p:pic>
     </p:spTree>
     <p:extLst>
       <p:ext uri="{BB962C8B-B14F-4D97-AF65-F5344CB8AC3E}">

--- a/slides/Workshop-Cheat-Sheet.pptx
+++ b/slides/Workshop-Cheat-Sheet.pptx
@@ -5057,8 +5057,8 @@
         </p:nvSpPr>
         <p:spPr>
           <a:xfrm>
-            <a:off x="3617032" y="5481089"/>
-            <a:ext cx="3881048" cy="1692771"/>
+            <a:off x="3617031" y="5481089"/>
+            <a:ext cx="3943097" cy="1692771"/>
           </a:xfrm>
           <a:prstGeom prst="rect">
             <a:avLst/>
@@ -5121,7 +5121,7 @@
           <a:p>
             <a:r>
               <a:rPr lang="en-US" sz="800" dirty="0"/>
-              <a:t> 4. bk-check-loops                       </a:t>
+              <a:t> 4. bk-check-loops                         </a:t>
             </a:r>
             <a:r>
               <a:rPr lang="en-US" sz="800" dirty="0">
@@ -5137,7 +5137,7 @@
           <a:p>
             <a:r>
               <a:rPr lang="en-US" sz="800" dirty="0"/>
-              <a:t> 5. bk-diagram-reports                </a:t>
+              <a:t> 5. bk-diagram-reports                 </a:t>
             </a:r>
             <a:r>
               <a:rPr lang="en-US" sz="800" dirty="0">
@@ -5169,7 +5169,7 @@
           <a:p>
             <a:r>
               <a:rPr lang="en-US" sz="800" dirty="0"/>
-              <a:t> 7. bk-install-scripts                     </a:t>
+              <a:t> 7. bk-install-scripts                      </a:t>
             </a:r>
             <a:r>
               <a:rPr lang="en-US" sz="800" dirty="0">
@@ -5179,13 +5179,13 @@
                   </a:schemeClr>
                 </a:solidFill>
               </a:rPr>
-              <a:t>Creates symbolic links for all bk* scripts in $...</a:t>
+              <a:t>Creates symbolic links for all bk* scripts in .local/bin</a:t>
             </a:r>
           </a:p>
           <a:p>
             <a:r>
               <a:rPr lang="en-US" sz="800" dirty="0"/>
-              <a:t> 8. bk-install-skills                        </a:t>
+              <a:t> 8. bk-install-skills                         </a:t>
             </a:r>
             <a:r>
               <a:rPr lang="en-US" sz="800" dirty="0">
@@ -5211,33 +5211,13 @@
                   </a:schemeClr>
                 </a:solidFill>
               </a:rPr>
-              <a:t>Installs </a:t>
-            </a:r>
-            <a:r>
-              <a:rPr lang="en-US" sz="800" dirty="0" err="1">
-                <a:solidFill>
-                  <a:schemeClr val="bg1">
-                    <a:lumMod val="50000"/>
-                  </a:schemeClr>
-                </a:solidFill>
-              </a:rPr>
-              <a:t>social_override</a:t>
-            </a:r>
-            <a:r>
-              <a:rPr lang="en-US" sz="800" dirty="0">
-                <a:solidFill>
-                  <a:schemeClr val="bg1">
-                    <a:lumMod val="50000"/>
-                  </a:schemeClr>
-                </a:solidFill>
-              </a:rPr>
-              <a:t> plugin for mkdocs</a:t>
+              <a:t>Installs social_override plugin for mkdocs</a:t>
             </a:r>
           </a:p>
           <a:p>
             <a:r>
               <a:rPr lang="en-US" sz="800" dirty="0"/>
-              <a:t>10. bk-list-skills                             </a:t>
+              <a:t>10. bk-list-skills                              </a:t>
             </a:r>
             <a:r>
               <a:rPr lang="en-US" sz="800" dirty="0">
@@ -5263,25 +5243,8 @@
                   </a:schemeClr>
                 </a:solidFill>
               </a:rPr>
-              <a:t>Generate quality reports for </a:t>
-            </a:r>
-            <a:r>
-              <a:rPr lang="en-US" sz="800" dirty="0" err="1">
-                <a:solidFill>
-                  <a:schemeClr val="bg1">
-                    <a:lumMod val="50000"/>
-                  </a:schemeClr>
-                </a:solidFill>
-              </a:rPr>
-              <a:t>MicroSims</a:t>
-            </a:r>
-            <a:endParaRPr lang="en-US" sz="800" dirty="0">
-              <a:solidFill>
-                <a:schemeClr val="bg1">
-                  <a:lumMod val="50000"/>
-                </a:schemeClr>
-              </a:solidFill>
-            </a:endParaRPr>
+              <a:t>Generate quality reports for MicroSims</a:t>
+            </a:r>
           </a:p>
           <a:p>
             <a:r>
